--- a/論文報告/A_New_Approach_to_Use_Big_Data_Tools_to_Substitute_Unstructured_Data_Warehouse.pptx
+++ b/論文報告/A_New_Approach_to_Use_Big_Data_Tools_to_Substitute_Unstructured_Data_Warehouse.pptx
@@ -5,7 +5,7 @@
     <p:sldMasterId id="2147483729" r:id="rId1"/>
   </p:sldMasterIdLst>
   <p:notesMasterIdLst>
-    <p:notesMasterId r:id="rId26"/>
+    <p:notesMasterId r:id="rId29"/>
   </p:notesMasterIdLst>
   <p:sldIdLst>
     <p:sldId id="256" r:id="rId2"/>
@@ -28,10 +28,13 @@
     <p:sldId id="305" r:id="rId19"/>
     <p:sldId id="295" r:id="rId20"/>
     <p:sldId id="267" r:id="rId21"/>
-    <p:sldId id="296" r:id="rId22"/>
-    <p:sldId id="297" r:id="rId23"/>
-    <p:sldId id="298" r:id="rId24"/>
-    <p:sldId id="269" r:id="rId25"/>
+    <p:sldId id="313" r:id="rId22"/>
+    <p:sldId id="296" r:id="rId23"/>
+    <p:sldId id="314" r:id="rId24"/>
+    <p:sldId id="297" r:id="rId25"/>
+    <p:sldId id="315" r:id="rId26"/>
+    <p:sldId id="298" r:id="rId27"/>
+    <p:sldId id="269" r:id="rId28"/>
   </p:sldIdLst>
   <p:sldSz cx="12192000" cy="6858000"/>
   <p:notesSz cx="6858000" cy="9144000"/>
@@ -175,16 +178,19 @@
           <p14:sldIdLst>
             <p14:sldId id="295"/>
             <p14:sldId id="267"/>
+            <p14:sldId id="313"/>
           </p14:sldIdLst>
         </p14:section>
-        <p14:section name="Test method&#13;Test method" id="{396C5530-2389-CD42-AC9C-FB1570E323E7}">
+        <p14:section name="Test method" id="{933F240B-3E2D-46D2-BF6C-1D49C57000AA}">
           <p14:sldIdLst>
             <p14:sldId id="296"/>
+            <p14:sldId id="314"/>
           </p14:sldIdLst>
         </p14:section>
-        <p14:section name="Implementation and result&#13;" id="{AAC2D2FC-F0AF-624F-8D46-8B5A4FEF77AD}">
+        <p14:section name="Implementation and result&#10;" id="{AAC2D2FC-F0AF-624F-8D46-8B5A4FEF77AD}">
           <p14:sldIdLst>
             <p14:sldId id="297"/>
+            <p14:sldId id="315"/>
           </p14:sldIdLst>
         </p14:section>
         <p14:section name="conclustion" id="{F344C25B-8EB6-264B-8B5E-B1579069E55F}">
@@ -284,7 +290,7 @@
           <a:p>
             <a:fld id="{39D7506E-F522-CE48-B080-5B257CB52E94}" type="datetimeFigureOut">
               <a:rPr kumimoji="1" lang="zh-TW" altLang="en-US" smtClean="0"/>
-              <a:t>2023/4/13</a:t>
+              <a:t>2023/4/14</a:t>
             </a:fld>
             <a:endParaRPr kumimoji="1" lang="zh-TW" altLang="en-US"/>
           </a:p>
@@ -1050,6 +1056,460 @@
 </p:notes>
 </file>
 
+<file path=ppt/notesSlides/notesSlide14.xml><?xml version="1.0" encoding="utf-8"?>
+<p:notes xmlns:a="http://schemas.openxmlformats.org/drawingml/2006/main" xmlns:r="http://schemas.openxmlformats.org/officeDocument/2006/relationships" xmlns:p="http://schemas.openxmlformats.org/presentationml/2006/main">
+  <p:cSld>
+    <p:spTree>
+      <p:nvGrpSpPr>
+        <p:cNvPr id="1" name=""/>
+        <p:cNvGrpSpPr/>
+        <p:nvPr/>
+      </p:nvGrpSpPr>
+      <p:grpSpPr>
+        <a:xfrm>
+          <a:off x="0" y="0"/>
+          <a:ext cx="0" cy="0"/>
+          <a:chOff x="0" y="0"/>
+          <a:chExt cx="0" cy="0"/>
+        </a:xfrm>
+      </p:grpSpPr>
+      <p:sp>
+        <p:nvSpPr>
+          <p:cNvPr id="2" name="投影片影像版面配置區 1"/>
+          <p:cNvSpPr>
+            <a:spLocks noGrp="1" noRot="1" noChangeAspect="1"/>
+          </p:cNvSpPr>
+          <p:nvPr>
+            <p:ph type="sldImg"/>
+          </p:nvPr>
+        </p:nvSpPr>
+        <p:spPr/>
+      </p:sp>
+      <p:sp>
+        <p:nvSpPr>
+          <p:cNvPr id="3" name="備忘稿版面配置區 2"/>
+          <p:cNvSpPr>
+            <a:spLocks noGrp="1"/>
+          </p:cNvSpPr>
+          <p:nvPr>
+            <p:ph type="body" idx="1"/>
+          </p:nvPr>
+        </p:nvSpPr>
+        <p:spPr/>
+        <p:txBody>
+          <a:bodyPr/>
+          <a:lstStyle/>
+          <a:p>
+            <a:r>
+              <a:rPr lang="zh-TW" altLang="en-US" dirty="0"/>
+              <a:t>數據採用多維星型模式設計，如圖 </a:t>
+            </a:r>
+            <a:r>
+              <a:rPr lang="en-US" altLang="zh-TW" dirty="0"/>
+              <a:t>4 </a:t>
+            </a:r>
+            <a:r>
+              <a:rPr lang="zh-TW" altLang="en-US" dirty="0"/>
+              <a:t>所示，以支持多維分析報告。 事實數據是從文本分析提取器結果中檢索的，維度數據是從選定的 </a:t>
+            </a:r>
+            <a:r>
+              <a:rPr lang="en-US" altLang="zh-TW" dirty="0"/>
+              <a:t>Amazon </a:t>
+            </a:r>
+            <a:r>
+              <a:rPr lang="zh-TW" altLang="en-US" dirty="0"/>
+              <a:t>數據集中提取的。</a:t>
+            </a:r>
+          </a:p>
+        </p:txBody>
+      </p:sp>
+      <p:sp>
+        <p:nvSpPr>
+          <p:cNvPr id="4" name="投影片編號版面配置區 3"/>
+          <p:cNvSpPr>
+            <a:spLocks noGrp="1"/>
+          </p:cNvSpPr>
+          <p:nvPr>
+            <p:ph type="sldNum" sz="quarter" idx="5"/>
+          </p:nvPr>
+        </p:nvSpPr>
+        <p:spPr/>
+        <p:txBody>
+          <a:bodyPr/>
+          <a:lstStyle/>
+          <a:p>
+            <a:fld id="{4D002C88-FAD9-9C4F-BBD3-851847BA84D5}" type="slidenum">
+              <a:rPr kumimoji="1" lang="zh-TW" altLang="en-US" smtClean="0"/>
+              <a:t>20</a:t>
+            </a:fld>
+            <a:endParaRPr kumimoji="1" lang="zh-TW" altLang="en-US"/>
+          </a:p>
+        </p:txBody>
+      </p:sp>
+    </p:spTree>
+    <p:extLst>
+      <p:ext uri="{BB962C8B-B14F-4D97-AF65-F5344CB8AC3E}">
+        <p14:creationId xmlns:p14="http://schemas.microsoft.com/office/powerpoint/2010/main" val="2749787571"/>
+      </p:ext>
+    </p:extLst>
+  </p:cSld>
+  <p:clrMapOvr>
+    <a:masterClrMapping/>
+  </p:clrMapOvr>
+</p:notes>
+</file>
+
+<file path=ppt/notesSlides/notesSlide15.xml><?xml version="1.0" encoding="utf-8"?>
+<p:notes xmlns:a="http://schemas.openxmlformats.org/drawingml/2006/main" xmlns:r="http://schemas.openxmlformats.org/officeDocument/2006/relationships" xmlns:p="http://schemas.openxmlformats.org/presentationml/2006/main">
+  <p:cSld>
+    <p:spTree>
+      <p:nvGrpSpPr>
+        <p:cNvPr id="1" name=""/>
+        <p:cNvGrpSpPr/>
+        <p:nvPr/>
+      </p:nvGrpSpPr>
+      <p:grpSpPr>
+        <a:xfrm>
+          <a:off x="0" y="0"/>
+          <a:ext cx="0" cy="0"/>
+          <a:chOff x="0" y="0"/>
+          <a:chExt cx="0" cy="0"/>
+        </a:xfrm>
+      </p:grpSpPr>
+      <p:sp>
+        <p:nvSpPr>
+          <p:cNvPr id="2" name="投影片影像版面配置區 1"/>
+          <p:cNvSpPr>
+            <a:spLocks noGrp="1" noRot="1" noChangeAspect="1"/>
+          </p:cNvSpPr>
+          <p:nvPr>
+            <p:ph type="sldImg"/>
+          </p:nvPr>
+        </p:nvSpPr>
+        <p:spPr/>
+      </p:sp>
+      <p:sp>
+        <p:nvSpPr>
+          <p:cNvPr id="3" name="備忘稿版面配置區 2"/>
+          <p:cNvSpPr>
+            <a:spLocks noGrp="1"/>
+          </p:cNvSpPr>
+          <p:nvPr>
+            <p:ph type="body" idx="1"/>
+          </p:nvPr>
+        </p:nvSpPr>
+        <p:spPr/>
+        <p:txBody>
+          <a:bodyPr/>
+          <a:lstStyle/>
+          <a:p>
+            <a:r>
+              <a:rPr lang="zh-TW" altLang="en-US" dirty="0"/>
+              <a:t>評論日期與評論數據一起提取，然後在單獨的時間維度中建模，並在轉換步驟中生成額外的字段，以幫助從不同角度分析具有該時間維度的評論數據。</a:t>
+            </a:r>
+          </a:p>
+        </p:txBody>
+      </p:sp>
+      <p:sp>
+        <p:nvSpPr>
+          <p:cNvPr id="4" name="投影片編號版面配置區 3"/>
+          <p:cNvSpPr>
+            <a:spLocks noGrp="1"/>
+          </p:cNvSpPr>
+          <p:nvPr>
+            <p:ph type="sldNum" sz="quarter" idx="5"/>
+          </p:nvPr>
+        </p:nvSpPr>
+        <p:spPr/>
+        <p:txBody>
+          <a:bodyPr/>
+          <a:lstStyle/>
+          <a:p>
+            <a:fld id="{4D002C88-FAD9-9C4F-BBD3-851847BA84D5}" type="slidenum">
+              <a:rPr kumimoji="1" lang="zh-TW" altLang="en-US" smtClean="0"/>
+              <a:t>21</a:t>
+            </a:fld>
+            <a:endParaRPr kumimoji="1" lang="zh-TW" altLang="en-US"/>
+          </a:p>
+        </p:txBody>
+      </p:sp>
+    </p:spTree>
+    <p:extLst>
+      <p:ext uri="{BB962C8B-B14F-4D97-AF65-F5344CB8AC3E}">
+        <p14:creationId xmlns:p14="http://schemas.microsoft.com/office/powerpoint/2010/main" val="1870091888"/>
+      </p:ext>
+    </p:extLst>
+  </p:cSld>
+  <p:clrMapOvr>
+    <a:masterClrMapping/>
+  </p:clrMapOvr>
+</p:notes>
+</file>
+
+<file path=ppt/notesSlides/notesSlide16.xml><?xml version="1.0" encoding="utf-8"?>
+<p:notes xmlns:a="http://schemas.openxmlformats.org/drawingml/2006/main" xmlns:r="http://schemas.openxmlformats.org/officeDocument/2006/relationships" xmlns:p="http://schemas.openxmlformats.org/presentationml/2006/main">
+  <p:cSld>
+    <p:spTree>
+      <p:nvGrpSpPr>
+        <p:cNvPr id="1" name=""/>
+        <p:cNvGrpSpPr/>
+        <p:nvPr/>
+      </p:nvGrpSpPr>
+      <p:grpSpPr>
+        <a:xfrm>
+          <a:off x="0" y="0"/>
+          <a:ext cx="0" cy="0"/>
+          <a:chOff x="0" y="0"/>
+          <a:chExt cx="0" cy="0"/>
+        </a:xfrm>
+      </p:grpSpPr>
+      <p:sp>
+        <p:nvSpPr>
+          <p:cNvPr id="2" name="投影片影像版面配置區 1"/>
+          <p:cNvSpPr>
+            <a:spLocks noGrp="1" noRot="1" noChangeAspect="1"/>
+          </p:cNvSpPr>
+          <p:nvPr>
+            <p:ph type="sldImg"/>
+          </p:nvPr>
+        </p:nvSpPr>
+        <p:spPr/>
+      </p:sp>
+      <p:sp>
+        <p:nvSpPr>
+          <p:cNvPr id="3" name="備忘稿版面配置區 2"/>
+          <p:cNvSpPr>
+            <a:spLocks noGrp="1"/>
+          </p:cNvSpPr>
+          <p:nvPr>
+            <p:ph type="body" idx="1"/>
+          </p:nvPr>
+        </p:nvSpPr>
+        <p:spPr/>
+        <p:txBody>
+          <a:bodyPr/>
+          <a:lstStyle/>
+          <a:p>
+            <a:r>
+              <a:rPr kumimoji="1" lang="zh-TW" altLang="en-US" dirty="0"/>
+              <a:t>通過使用驗收標準驗證每個階段的輸出，測試將與實施一起手動進行：</a:t>
+            </a:r>
+            <a:endParaRPr kumimoji="1" lang="en-US" altLang="zh-TW" dirty="0"/>
+          </a:p>
+          <a:p>
+            <a:endParaRPr kumimoji="1" lang="en-US" altLang="zh-TW" dirty="0"/>
+          </a:p>
+          <a:p>
+            <a:r>
+              <a:rPr kumimoji="1" lang="zh-TW" altLang="en-US" dirty="0"/>
+              <a:t>數據提取：樣本數據集文件將被文本分析工具馴服。</a:t>
+            </a:r>
+            <a:endParaRPr kumimoji="1" lang="en-US" altLang="zh-TW" dirty="0"/>
+          </a:p>
+          <a:p>
+            <a:endParaRPr kumimoji="1" lang="en-US" altLang="zh-TW" dirty="0"/>
+          </a:p>
+          <a:p>
+            <a:r>
+              <a:rPr kumimoji="1" lang="en-US" altLang="zh-TW" dirty="0"/>
+              <a:t>ETL </a:t>
+            </a:r>
+            <a:r>
+              <a:rPr kumimoji="1" lang="zh-TW" altLang="en-US" dirty="0"/>
+              <a:t>過程：將提取的文本作為 </a:t>
+            </a:r>
+            <a:r>
+              <a:rPr kumimoji="1" lang="en-US" altLang="zh-TW" dirty="0"/>
+              <a:t>CSV </a:t>
+            </a:r>
+            <a:r>
+              <a:rPr kumimoji="1" lang="zh-TW" altLang="en-US" dirty="0"/>
+              <a:t>文件進行轉換、清洗並加載到數據倉庫中。</a:t>
+            </a:r>
+            <a:endParaRPr kumimoji="1" lang="en-US" altLang="zh-TW" dirty="0"/>
+          </a:p>
+          <a:p>
+            <a:endParaRPr kumimoji="1" lang="en-US" altLang="zh-TW" dirty="0"/>
+          </a:p>
+          <a:p>
+            <a:r>
+              <a:rPr kumimoji="1" lang="zh-TW" altLang="en-US" dirty="0"/>
+              <a:t>分析報告：可以從數據倉庫創建 </a:t>
+            </a:r>
+            <a:r>
+              <a:rPr kumimoji="1" lang="en-US" altLang="zh-TW" dirty="0"/>
+              <a:t>OLAP </a:t>
+            </a:r>
+            <a:r>
+              <a:rPr kumimoji="1" lang="zh-TW" altLang="en-US" dirty="0"/>
+              <a:t>多維數據集</a:t>
+            </a:r>
+          </a:p>
+        </p:txBody>
+      </p:sp>
+      <p:sp>
+        <p:nvSpPr>
+          <p:cNvPr id="4" name="投影片編號版面配置區 3"/>
+          <p:cNvSpPr>
+            <a:spLocks noGrp="1"/>
+          </p:cNvSpPr>
+          <p:nvPr>
+            <p:ph type="sldNum" sz="quarter" idx="5"/>
+          </p:nvPr>
+        </p:nvSpPr>
+        <p:spPr/>
+        <p:txBody>
+          <a:bodyPr/>
+          <a:lstStyle/>
+          <a:p>
+            <a:fld id="{4D002C88-FAD9-9C4F-BBD3-851847BA84D5}" type="slidenum">
+              <a:rPr kumimoji="1" lang="zh-TW" altLang="en-US" smtClean="0"/>
+              <a:t>23</a:t>
+            </a:fld>
+            <a:endParaRPr kumimoji="1" lang="zh-TW" altLang="en-US"/>
+          </a:p>
+        </p:txBody>
+      </p:sp>
+    </p:spTree>
+    <p:extLst>
+      <p:ext uri="{BB962C8B-B14F-4D97-AF65-F5344CB8AC3E}">
+        <p14:creationId xmlns:p14="http://schemas.microsoft.com/office/powerpoint/2010/main" val="1200382317"/>
+      </p:ext>
+    </p:extLst>
+  </p:cSld>
+  <p:clrMapOvr>
+    <a:masterClrMapping/>
+  </p:clrMapOvr>
+</p:notes>
+</file>
+
+<file path=ppt/notesSlides/notesSlide17.xml><?xml version="1.0" encoding="utf-8"?>
+<p:notes xmlns:a="http://schemas.openxmlformats.org/drawingml/2006/main" xmlns:r="http://schemas.openxmlformats.org/officeDocument/2006/relationships" xmlns:p="http://schemas.openxmlformats.org/presentationml/2006/main">
+  <p:cSld>
+    <p:spTree>
+      <p:nvGrpSpPr>
+        <p:cNvPr id="1" name=""/>
+        <p:cNvGrpSpPr/>
+        <p:nvPr/>
+      </p:nvGrpSpPr>
+      <p:grpSpPr>
+        <a:xfrm>
+          <a:off x="0" y="0"/>
+          <a:ext cx="0" cy="0"/>
+          <a:chOff x="0" y="0"/>
+          <a:chExt cx="0" cy="0"/>
+        </a:xfrm>
+      </p:grpSpPr>
+      <p:sp>
+        <p:nvSpPr>
+          <p:cNvPr id="2" name="投影片影像版面配置區 1"/>
+          <p:cNvSpPr>
+            <a:spLocks noGrp="1" noRot="1" noChangeAspect="1"/>
+          </p:cNvSpPr>
+          <p:nvPr>
+            <p:ph type="sldImg"/>
+          </p:nvPr>
+        </p:nvSpPr>
+        <p:spPr/>
+      </p:sp>
+      <p:sp>
+        <p:nvSpPr>
+          <p:cNvPr id="3" name="備忘稿版面配置區 2"/>
+          <p:cNvSpPr>
+            <a:spLocks noGrp="1"/>
+          </p:cNvSpPr>
+          <p:nvPr>
+            <p:ph type="body" idx="1"/>
+          </p:nvPr>
+        </p:nvSpPr>
+        <p:spPr/>
+        <p:txBody>
+          <a:bodyPr/>
+          <a:lstStyle/>
+          <a:p>
+            <a:r>
+              <a:rPr kumimoji="1" lang="zh-TW" altLang="en-US" dirty="0"/>
+              <a:t>數據提取：樣本數據集文件將被文本分析工具馴服。</a:t>
+            </a:r>
+            <a:endParaRPr kumimoji="1" lang="en-US" altLang="zh-TW" dirty="0"/>
+          </a:p>
+          <a:p>
+            <a:endParaRPr kumimoji="1" lang="en-US" altLang="zh-TW" dirty="0"/>
+          </a:p>
+          <a:p>
+            <a:r>
+              <a:rPr kumimoji="1" lang="en-US" altLang="zh-TW" dirty="0"/>
+              <a:t>ETL </a:t>
+            </a:r>
+            <a:r>
+              <a:rPr kumimoji="1" lang="zh-TW" altLang="en-US" dirty="0"/>
+              <a:t>過程：將提取的文本作為 </a:t>
+            </a:r>
+            <a:r>
+              <a:rPr kumimoji="1" lang="en-US" altLang="zh-TW" dirty="0"/>
+              <a:t>CSV </a:t>
+            </a:r>
+            <a:r>
+              <a:rPr kumimoji="1" lang="zh-TW" altLang="en-US" dirty="0"/>
+              <a:t>文件進行轉換、清洗並加載到數據倉庫中。</a:t>
+            </a:r>
+            <a:endParaRPr kumimoji="1" lang="en-US" altLang="zh-TW" dirty="0"/>
+          </a:p>
+          <a:p>
+            <a:endParaRPr kumimoji="1" lang="en-US" altLang="zh-TW" dirty="0"/>
+          </a:p>
+          <a:p>
+            <a:r>
+              <a:rPr kumimoji="1" lang="zh-TW" altLang="en-US" dirty="0"/>
+              <a:t>分析報告：可以從數據倉庫創建 </a:t>
+            </a:r>
+            <a:r>
+              <a:rPr kumimoji="1" lang="en-US" altLang="zh-TW" dirty="0"/>
+              <a:t>OLAP </a:t>
+            </a:r>
+            <a:r>
+              <a:rPr kumimoji="1" lang="zh-TW" altLang="en-US" dirty="0"/>
+              <a:t>多維數據集</a:t>
+            </a:r>
+          </a:p>
+        </p:txBody>
+      </p:sp>
+      <p:sp>
+        <p:nvSpPr>
+          <p:cNvPr id="4" name="投影片編號版面配置區 3"/>
+          <p:cNvSpPr>
+            <a:spLocks noGrp="1"/>
+          </p:cNvSpPr>
+          <p:nvPr>
+            <p:ph type="sldNum" sz="quarter" idx="5"/>
+          </p:nvPr>
+        </p:nvSpPr>
+        <p:spPr/>
+        <p:txBody>
+          <a:bodyPr/>
+          <a:lstStyle/>
+          <a:p>
+            <a:fld id="{4D002C88-FAD9-9C4F-BBD3-851847BA84D5}" type="slidenum">
+              <a:rPr kumimoji="1" lang="zh-TW" altLang="en-US" smtClean="0"/>
+              <a:t>25</a:t>
+            </a:fld>
+            <a:endParaRPr kumimoji="1" lang="zh-TW" altLang="en-US"/>
+          </a:p>
+        </p:txBody>
+      </p:sp>
+    </p:spTree>
+    <p:extLst>
+      <p:ext uri="{BB962C8B-B14F-4D97-AF65-F5344CB8AC3E}">
+        <p14:creationId xmlns:p14="http://schemas.microsoft.com/office/powerpoint/2010/main" val="288974800"/>
+      </p:ext>
+    </p:extLst>
+  </p:cSld>
+  <p:clrMapOvr>
+    <a:masterClrMapping/>
+  </p:clrMapOvr>
+</p:notes>
+</file>
+
 <file path=ppt/notesSlides/notesSlide2.xml><?xml version="1.0" encoding="utf-8"?>
 <p:notes xmlns:a="http://schemas.openxmlformats.org/drawingml/2006/main" xmlns:r="http://schemas.openxmlformats.org/officeDocument/2006/relationships" xmlns:p="http://schemas.openxmlformats.org/presentationml/2006/main">
   <p:cSld>
@@ -2377,7 +2837,7 @@
           <a:p>
             <a:fld id="{5BD4929E-4784-DB4B-9FA7-C9AB5D78C884}" type="datetime1">
               <a:rPr kumimoji="1" lang="zh-TW" altLang="en-US" smtClean="0"/>
-              <a:t>2023/4/13</a:t>
+              <a:t>2023/4/14</a:t>
             </a:fld>
             <a:endParaRPr kumimoji="1" lang="zh-TW" altLang="en-US"/>
           </a:p>
@@ -2575,7 +3035,7 @@
           <a:p>
             <a:fld id="{AE83D13F-5532-C541-9C9B-6667203152AA}" type="datetime1">
               <a:rPr kumimoji="1" lang="zh-TW" altLang="en-US" smtClean="0"/>
-              <a:t>2023/4/13</a:t>
+              <a:t>2023/4/14</a:t>
             </a:fld>
             <a:endParaRPr kumimoji="1" lang="zh-TW" altLang="en-US"/>
           </a:p>
@@ -2783,7 +3243,7 @@
           <a:p>
             <a:fld id="{D62C423A-AF2E-044A-935C-6E1081FA30AE}" type="datetime1">
               <a:rPr kumimoji="1" lang="zh-TW" altLang="en-US" smtClean="0"/>
-              <a:t>2023/4/13</a:t>
+              <a:t>2023/4/14</a:t>
             </a:fld>
             <a:endParaRPr kumimoji="1" lang="zh-TW" altLang="en-US"/>
           </a:p>
@@ -2981,7 +3441,7 @@
           <a:p>
             <a:fld id="{3A8AC8D0-1DF9-DE48-97C5-DC6F907C58AE}" type="datetime1">
               <a:rPr kumimoji="1" lang="zh-TW" altLang="en-US" smtClean="0"/>
-              <a:t>2023/4/13</a:t>
+              <a:t>2023/4/14</a:t>
             </a:fld>
             <a:endParaRPr kumimoji="1" lang="zh-TW" altLang="en-US"/>
           </a:p>
@@ -3256,7 +3716,7 @@
           <a:p>
             <a:fld id="{F474BE1F-B9B4-A846-B97A-070214ACE94D}" type="datetime1">
               <a:rPr kumimoji="1" lang="zh-TW" altLang="en-US" smtClean="0"/>
-              <a:t>2023/4/13</a:t>
+              <a:t>2023/4/14</a:t>
             </a:fld>
             <a:endParaRPr kumimoji="1" lang="zh-TW" altLang="en-US"/>
           </a:p>
@@ -3521,7 +3981,7 @@
           <a:p>
             <a:fld id="{6207FC3B-1BE8-CC46-9612-A48612057A4F}" type="datetime1">
               <a:rPr kumimoji="1" lang="zh-TW" altLang="en-US" smtClean="0"/>
-              <a:t>2023/4/13</a:t>
+              <a:t>2023/4/14</a:t>
             </a:fld>
             <a:endParaRPr kumimoji="1" lang="zh-TW" altLang="en-US"/>
           </a:p>
@@ -3933,7 +4393,7 @@
           <a:p>
             <a:fld id="{2F2DFCD8-C483-604A-9F50-EC24522E3A01}" type="datetime1">
               <a:rPr kumimoji="1" lang="zh-TW" altLang="en-US" smtClean="0"/>
-              <a:t>2023/4/13</a:t>
+              <a:t>2023/4/14</a:t>
             </a:fld>
             <a:endParaRPr kumimoji="1" lang="zh-TW" altLang="en-US"/>
           </a:p>
@@ -4074,7 +4534,7 @@
           <a:p>
             <a:fld id="{4C01B007-CA0D-6247-BF0E-E773C2EE5163}" type="datetime1">
               <a:rPr kumimoji="1" lang="zh-TW" altLang="en-US" smtClean="0"/>
-              <a:t>2023/4/13</a:t>
+              <a:t>2023/4/14</a:t>
             </a:fld>
             <a:endParaRPr kumimoji="1" lang="zh-TW" altLang="en-US"/>
           </a:p>
@@ -4187,7 +4647,7 @@
           <a:p>
             <a:fld id="{7C57E372-0459-9B4A-905E-548DD9F99DEC}" type="datetime1">
               <a:rPr kumimoji="1" lang="zh-TW" altLang="en-US" smtClean="0"/>
-              <a:t>2023/4/13</a:t>
+              <a:t>2023/4/14</a:t>
             </a:fld>
             <a:endParaRPr kumimoji="1" lang="zh-TW" altLang="en-US"/>
           </a:p>
@@ -4498,7 +4958,7 @@
           <a:p>
             <a:fld id="{61967547-8F52-9847-970D-90B4C8D0FF2E}" type="datetime1">
               <a:rPr kumimoji="1" lang="zh-TW" altLang="en-US" smtClean="0"/>
-              <a:t>2023/4/13</a:t>
+              <a:t>2023/4/14</a:t>
             </a:fld>
             <a:endParaRPr kumimoji="1" lang="zh-TW" altLang="en-US"/>
           </a:p>
@@ -4786,7 +5246,7 @@
           <a:p>
             <a:fld id="{B368DCB4-9974-694E-ADE7-171036E3DEFF}" type="datetime1">
               <a:rPr kumimoji="1" lang="zh-TW" altLang="en-US" smtClean="0"/>
-              <a:t>2023/4/13</a:t>
+              <a:t>2023/4/14</a:t>
             </a:fld>
             <a:endParaRPr kumimoji="1" lang="zh-TW" altLang="en-US"/>
           </a:p>
@@ -5027,7 +5487,7 @@
           <a:p>
             <a:fld id="{1D46B7B5-7827-A848-8090-003008E26D60}" type="datetime1">
               <a:rPr kumimoji="1" lang="zh-TW" altLang="en-US" smtClean="0"/>
-              <a:t>2023/4/13</a:t>
+              <a:t>2023/4/14</a:t>
             </a:fld>
             <a:endParaRPr kumimoji="1" lang="zh-TW" altLang="en-US"/>
           </a:p>
@@ -7588,7 +8048,7 @@
         </p:nvSpPr>
         <p:spPr>
           <a:xfrm>
-            <a:off x="522242" y="2531640"/>
+            <a:off x="458742" y="2522115"/>
             <a:ext cx="4914882" cy="4440346"/>
           </a:xfrm>
         </p:spPr>
@@ -7924,7 +8384,7 @@
         </p:nvSpPr>
         <p:spPr>
           <a:xfrm>
-            <a:off x="913774" y="2011477"/>
+            <a:off x="913774" y="2017390"/>
             <a:ext cx="10364452" cy="4654448"/>
           </a:xfrm>
         </p:spPr>
@@ -7975,6 +8435,48 @@
               <a:t>18</a:t>
             </a:fld>
             <a:endParaRPr kumimoji="1" lang="zh-TW" altLang="en-US"/>
+          </a:p>
+        </p:txBody>
+      </p:sp>
+      <p:sp>
+        <p:nvSpPr>
+          <p:cNvPr id="4" name="文字方塊 3">
+            <a:extLst>
+              <a:ext uri="{FF2B5EF4-FFF2-40B4-BE49-F238E27FC236}">
+                <a16:creationId xmlns:a16="http://schemas.microsoft.com/office/drawing/2014/main" id="{2016DDA0-8EF1-6045-7BB1-3853EB3D61ED}"/>
+              </a:ext>
+            </a:extLst>
+          </p:cNvPr>
+          <p:cNvSpPr txBox="1"/>
+          <p:nvPr/>
+        </p:nvSpPr>
+        <p:spPr>
+          <a:xfrm>
+            <a:off x="913774" y="5589885"/>
+            <a:ext cx="11684158" cy="276999"/>
+          </a:xfrm>
+          <a:prstGeom prst="rect">
+            <a:avLst/>
+          </a:prstGeom>
+          <a:noFill/>
+        </p:spPr>
+        <p:txBody>
+          <a:bodyPr wrap="square" rtlCol="0">
+            <a:spAutoFit/>
+          </a:bodyPr>
+          <a:lstStyle/>
+          <a:p>
+            <a:r>
+              <a:rPr kumimoji="1" lang="en-US" altLang="zh-TW" sz="1200" dirty="0">
+                <a:latin typeface="Times New Roman" panose="02020603050405020304" pitchFamily="18" charset="0"/>
+                <a:cs typeface="Times New Roman" panose="02020603050405020304" pitchFamily="18" charset="0"/>
+              </a:rPr>
+              <a:t>[14] Amazon. (n.d.). Amazon Customer Reviews Dataset.</a:t>
+            </a:r>
+            <a:endParaRPr kumimoji="1" lang="zh-TW" altLang="en-US" sz="1200" dirty="0">
+              <a:latin typeface="Times New Roman" panose="02020603050405020304" pitchFamily="18" charset="0"/>
+              <a:cs typeface="Times New Roman" panose="02020603050405020304" pitchFamily="18" charset="0"/>
+            </a:endParaRPr>
           </a:p>
         </p:txBody>
       </p:sp>
@@ -8557,7 +9059,7 @@
         </p:nvSpPr>
         <p:spPr>
           <a:xfrm>
-            <a:off x="913775" y="268711"/>
+            <a:off x="913775" y="136525"/>
             <a:ext cx="11278225" cy="1596177"/>
           </a:xfrm>
         </p:spPr>
@@ -8565,7 +9067,11 @@
           <a:bodyPr/>
           <a:lstStyle/>
           <a:p>
-            <a:pPr marL="514350" indent="-514350"/>
+            <a:pPr>
+              <a:lnSpc>
+                <a:spcPct val="150000"/>
+              </a:lnSpc>
+            </a:pPr>
             <a:r>
               <a:rPr kumimoji="1" lang="en-US" altLang="zh-TW" sz="4400" dirty="0">
                 <a:solidFill>
@@ -8576,19 +9082,7 @@
                 <a:latin typeface="Times New Roman" panose="02020603050405020304" pitchFamily="18" charset="0"/>
                 <a:cs typeface="Times New Roman" panose="02020603050405020304" pitchFamily="18" charset="0"/>
               </a:rPr>
-              <a:t>Experimental results and evaluation</a:t>
-            </a:r>
-            <a:r>
-              <a:rPr kumimoji="1" lang="en-US" altLang="zh-TW" dirty="0">
-                <a:solidFill>
-                  <a:schemeClr val="accent1">
-                    <a:lumMod val="75000"/>
-                  </a:schemeClr>
-                </a:solidFill>
-                <a:latin typeface="Times New Roman" panose="02020603050405020304" pitchFamily="18" charset="0"/>
-                <a:cs typeface="Times New Roman" panose="02020603050405020304" pitchFamily="18" charset="0"/>
-              </a:rPr>
-              <a:t>(/)</a:t>
+              <a:t>Database design</a:t>
             </a:r>
           </a:p>
         </p:txBody>
@@ -8611,8 +9105,8 @@
         </p:nvSpPr>
         <p:spPr>
           <a:xfrm>
-            <a:off x="913775" y="1864888"/>
-            <a:ext cx="10364452" cy="4654448"/>
+            <a:off x="615184" y="2067027"/>
+            <a:ext cx="4642616" cy="4654448"/>
           </a:xfrm>
         </p:spPr>
         <p:txBody>
@@ -8627,31 +9121,16 @@
               </a:lnSpc>
             </a:pPr>
             <a:r>
-              <a:rPr lang="en-US" altLang="zh-TW" sz="2400" dirty="0">
+              <a:rPr lang="en-US" altLang="zh-TW" sz="2000" dirty="0">
                 <a:solidFill>
                   <a:srgbClr val="211E1E"/>
                 </a:solidFill>
                 <a:effectLst/>
                 <a:latin typeface="Times New Roman" panose="02020603050405020304" pitchFamily="18" charset="0"/>
               </a:rPr>
-              <a:t>text</a:t>
-            </a:r>
-          </a:p>
-          <a:p>
-            <a:pPr algn="just">
-              <a:lnSpc>
-                <a:spcPct val="150000"/>
-              </a:lnSpc>
-            </a:pPr>
-            <a:endParaRPr lang="en-US" altLang="zh-TW" sz="2400" dirty="0"/>
-          </a:p>
-          <a:p>
-            <a:pPr algn="just">
-              <a:lnSpc>
-                <a:spcPct val="150000"/>
-              </a:lnSpc>
-            </a:pPr>
-            <a:endParaRPr kumimoji="1" lang="zh-TW" altLang="en-US" sz="2400" dirty="0">
+              <a:t>Data is designed with a multidimensional star schema as shown in Fig. 4. to support the multidimensional analytics reporting. Fact data is retrieved from the Text Analytics extractor results, and data for dimensions are extracted from the selected Amazon datasets.</a:t>
+            </a:r>
+            <a:endParaRPr kumimoji="1" lang="zh-TW" altLang="en-US" sz="2000" dirty="0">
               <a:latin typeface="Times New Roman" panose="02020603050405020304" pitchFamily="18" charset="0"/>
               <a:cs typeface="Times New Roman" panose="02020603050405020304" pitchFamily="18" charset="0"/>
             </a:endParaRPr>
@@ -8687,6 +9166,36 @@
           </a:p>
         </p:txBody>
       </p:sp>
+      <p:pic>
+        <p:nvPicPr>
+          <p:cNvPr id="6" name="圖片 5">
+            <a:extLst>
+              <a:ext uri="{FF2B5EF4-FFF2-40B4-BE49-F238E27FC236}">
+                <a16:creationId xmlns:a16="http://schemas.microsoft.com/office/drawing/2014/main" id="{B3C14FD8-9041-C002-7FB7-5565AAE56E52}"/>
+              </a:ext>
+            </a:extLst>
+          </p:cNvPr>
+          <p:cNvPicPr>
+            <a:picLocks noChangeAspect="1"/>
+          </p:cNvPicPr>
+          <p:nvPr/>
+        </p:nvPicPr>
+        <p:blipFill>
+          <a:blip r:embed="rId3"/>
+          <a:stretch>
+            <a:fillRect/>
+          </a:stretch>
+        </p:blipFill>
+        <p:spPr>
+          <a:xfrm>
+            <a:off x="5556391" y="0"/>
+            <a:ext cx="6337018" cy="6858000"/>
+          </a:xfrm>
+          <a:prstGeom prst="rect">
+            <a:avLst/>
+          </a:prstGeom>
+        </p:spPr>
+      </p:pic>
     </p:spTree>
     <p:extLst>
       <p:ext uri="{BB962C8B-B14F-4D97-AF65-F5344CB8AC3E}">
@@ -8722,7 +9231,7 @@
           <p:cNvPr id="2" name="標題 1">
             <a:extLst>
               <a:ext uri="{FF2B5EF4-FFF2-40B4-BE49-F238E27FC236}">
-                <a16:creationId xmlns:a16="http://schemas.microsoft.com/office/drawing/2014/main" id="{06659E65-341A-0D1C-DC00-78CA26660388}"/>
+                <a16:creationId xmlns:a16="http://schemas.microsoft.com/office/drawing/2014/main" id="{906B6324-86ED-A939-74F1-E5A416A581E1}"/>
               </a:ext>
             </a:extLst>
           </p:cNvPr>
@@ -8735,16 +9244,21 @@
         </p:nvSpPr>
         <p:spPr>
           <a:xfrm>
-            <a:off x="1210109" y="268711"/>
-            <a:ext cx="10364451" cy="1596177"/>
+            <a:off x="913775" y="136525"/>
+            <a:ext cx="11278225" cy="1596177"/>
           </a:xfrm>
         </p:spPr>
         <p:txBody>
           <a:bodyPr/>
           <a:lstStyle/>
           <a:p>
-            <a:r>
-              <a:rPr kumimoji="1" lang="en-US" altLang="zh-TW" dirty="0">
+            <a:pPr>
+              <a:lnSpc>
+                <a:spcPct val="150000"/>
+              </a:lnSpc>
+            </a:pPr>
+            <a:r>
+              <a:rPr kumimoji="1" lang="en-US" altLang="zh-TW" sz="4400" dirty="0">
                 <a:solidFill>
                   <a:schemeClr val="accent1">
                     <a:lumMod val="75000"/>
@@ -8753,14 +9267,55 @@
                 <a:latin typeface="Times New Roman" panose="02020603050405020304" pitchFamily="18" charset="0"/>
                 <a:cs typeface="Times New Roman" panose="02020603050405020304" pitchFamily="18" charset="0"/>
               </a:rPr>
-              <a:t>Outline</a:t>
-            </a:r>
-            <a:endParaRPr kumimoji="1" lang="zh-TW" altLang="en-US" dirty="0">
-              <a:solidFill>
-                <a:schemeClr val="accent1">
-                  <a:lumMod val="75000"/>
-                </a:schemeClr>
-              </a:solidFill>
+              <a:t>Database design</a:t>
+            </a:r>
+          </a:p>
+        </p:txBody>
+      </p:sp>
+      <p:sp>
+        <p:nvSpPr>
+          <p:cNvPr id="3" name="內容版面配置區 2">
+            <a:extLst>
+              <a:ext uri="{FF2B5EF4-FFF2-40B4-BE49-F238E27FC236}">
+                <a16:creationId xmlns:a16="http://schemas.microsoft.com/office/drawing/2014/main" id="{7F045C18-ABFB-C9FE-88FB-2DB9E44B6C40}"/>
+              </a:ext>
+            </a:extLst>
+          </p:cNvPr>
+          <p:cNvSpPr>
+            <a:spLocks noGrp="1"/>
+          </p:cNvSpPr>
+          <p:nvPr>
+            <p:ph idx="1"/>
+          </p:nvPr>
+        </p:nvSpPr>
+        <p:spPr>
+          <a:xfrm>
+            <a:off x="615184" y="2067027"/>
+            <a:ext cx="4401598" cy="4654448"/>
+          </a:xfrm>
+        </p:spPr>
+        <p:txBody>
+          <a:bodyPr>
+            <a:normAutofit/>
+          </a:bodyPr>
+          <a:lstStyle/>
+          <a:p>
+            <a:pPr algn="just">
+              <a:lnSpc>
+                <a:spcPct val="150000"/>
+              </a:lnSpc>
+            </a:pPr>
+            <a:r>
+              <a:rPr lang="en-US" altLang="zh-TW" sz="2000" dirty="0">
+                <a:solidFill>
+                  <a:srgbClr val="211E1E"/>
+                </a:solidFill>
+                <a:effectLst/>
+                <a:latin typeface="Times New Roman" panose="02020603050405020304" pitchFamily="18" charset="0"/>
+              </a:rPr>
+              <a:t>The review date is extracted along with the review data, then it is modelled in a separate time dimension with additional fields generated at the transformation step to help analyze review data with this time dimension from different perspectives.</a:t>
+            </a:r>
+            <a:endParaRPr kumimoji="1" lang="zh-TW" altLang="en-US" sz="2000" dirty="0">
               <a:latin typeface="Times New Roman" panose="02020603050405020304" pitchFamily="18" charset="0"/>
               <a:cs typeface="Times New Roman" panose="02020603050405020304" pitchFamily="18" charset="0"/>
             </a:endParaRPr>
@@ -8769,169 +9324,10 @@
       </p:sp>
       <p:sp>
         <p:nvSpPr>
-          <p:cNvPr id="3" name="內容版面配置區 2">
-            <a:extLst>
-              <a:ext uri="{FF2B5EF4-FFF2-40B4-BE49-F238E27FC236}">
-                <a16:creationId xmlns:a16="http://schemas.microsoft.com/office/drawing/2014/main" id="{089DEEE4-9C03-1C4F-C218-E9DEA7F3D974}"/>
-              </a:ext>
-            </a:extLst>
-          </p:cNvPr>
-          <p:cNvSpPr>
-            <a:spLocks noGrp="1"/>
-          </p:cNvSpPr>
-          <p:nvPr>
-            <p:ph idx="1"/>
-          </p:nvPr>
-        </p:nvSpPr>
-        <p:spPr>
-          <a:xfrm>
-            <a:off x="1210108" y="1606606"/>
-            <a:ext cx="10778067" cy="4777260"/>
-          </a:xfrm>
-        </p:spPr>
-        <p:txBody>
-          <a:bodyPr>
-            <a:normAutofit fontScale="92500" lnSpcReduction="10000"/>
-          </a:bodyPr>
-          <a:lstStyle/>
-          <a:p>
-            <a:pPr marL="514350" indent="-514350">
-              <a:lnSpc>
-                <a:spcPct val="150000"/>
-              </a:lnSpc>
-              <a:buAutoNum type="arabicPeriod"/>
-            </a:pPr>
-            <a:r>
-              <a:rPr kumimoji="1" lang="en-US" altLang="zh-TW" sz="2400" dirty="0">
-                <a:latin typeface="Times New Roman" panose="02020603050405020304" pitchFamily="18" charset="0"/>
-                <a:cs typeface="Times New Roman" panose="02020603050405020304" pitchFamily="18" charset="0"/>
-              </a:rPr>
-              <a:t>Abstract</a:t>
-            </a:r>
-          </a:p>
-          <a:p>
-            <a:pPr marL="514350" indent="-514350">
-              <a:lnSpc>
-                <a:spcPct val="150000"/>
-              </a:lnSpc>
-              <a:buFont typeface="Arial" panose="020B0604020202020204" pitchFamily="34" charset="0"/>
-              <a:buAutoNum type="arabicPeriod"/>
-            </a:pPr>
-            <a:r>
-              <a:rPr kumimoji="1" lang="en-US" altLang="zh-TW" sz="2400" dirty="0">
-                <a:latin typeface="Times New Roman" panose="02020603050405020304" pitchFamily="18" charset="0"/>
-                <a:cs typeface="Times New Roman" panose="02020603050405020304" pitchFamily="18" charset="0"/>
-              </a:rPr>
-              <a:t>Introduction</a:t>
-            </a:r>
-          </a:p>
-          <a:p>
-            <a:pPr marL="514350" indent="-514350">
-              <a:lnSpc>
-                <a:spcPct val="150000"/>
-              </a:lnSpc>
-              <a:buAutoNum type="arabicPeriod"/>
-            </a:pPr>
-            <a:r>
-              <a:rPr kumimoji="1" lang="en-US" altLang="zh-TW" sz="2400" dirty="0">
-                <a:latin typeface="Times New Roman" panose="02020603050405020304" pitchFamily="18" charset="0"/>
-                <a:cs typeface="Times New Roman" panose="02020603050405020304" pitchFamily="18" charset="0"/>
-              </a:rPr>
-              <a:t>Related works</a:t>
-            </a:r>
-          </a:p>
-          <a:p>
-            <a:pPr marL="514350" indent="-514350">
-              <a:lnSpc>
-                <a:spcPct val="150000"/>
-              </a:lnSpc>
-              <a:buAutoNum type="arabicPeriod"/>
-            </a:pPr>
-            <a:r>
-              <a:rPr kumimoji="1" lang="en-US" altLang="zh-TW" sz="2400" dirty="0">
-                <a:latin typeface="Times New Roman" panose="02020603050405020304" pitchFamily="18" charset="0"/>
-                <a:cs typeface="Times New Roman" panose="02020603050405020304" pitchFamily="18" charset="0"/>
-              </a:rPr>
-              <a:t>Proposed system</a:t>
-            </a:r>
-          </a:p>
-          <a:p>
-            <a:pPr marL="514350" indent="-514350">
-              <a:lnSpc>
-                <a:spcPct val="150000"/>
-              </a:lnSpc>
-              <a:buAutoNum type="arabicPeriod"/>
-            </a:pPr>
-            <a:r>
-              <a:rPr kumimoji="1" lang="en-US" altLang="zh-TW" sz="2400" dirty="0">
-                <a:latin typeface="Times New Roman" panose="02020603050405020304" pitchFamily="18" charset="0"/>
-                <a:cs typeface="Times New Roman" panose="02020603050405020304" pitchFamily="18" charset="0"/>
-              </a:rPr>
-              <a:t>Database design</a:t>
-            </a:r>
-          </a:p>
-          <a:p>
-            <a:pPr marL="514350" indent="-514350">
-              <a:lnSpc>
-                <a:spcPct val="150000"/>
-              </a:lnSpc>
-              <a:buAutoNum type="arabicPeriod"/>
-            </a:pPr>
-            <a:r>
-              <a:rPr kumimoji="1" lang="en-US" altLang="zh-TW" sz="2400" dirty="0">
-                <a:solidFill>
-                  <a:schemeClr val="accent1">
-                    <a:lumMod val="75000"/>
-                  </a:schemeClr>
-                </a:solidFill>
-                <a:latin typeface="Times New Roman" panose="02020603050405020304" pitchFamily="18" charset="0"/>
-                <a:cs typeface="Times New Roman" panose="02020603050405020304" pitchFamily="18" charset="0"/>
-              </a:rPr>
-              <a:t>Test method</a:t>
-            </a:r>
-          </a:p>
-          <a:p>
-            <a:pPr marL="514350" indent="-514350">
-              <a:lnSpc>
-                <a:spcPct val="150000"/>
-              </a:lnSpc>
-              <a:buAutoNum type="arabicPeriod"/>
-            </a:pPr>
-            <a:r>
-              <a:rPr kumimoji="1" lang="en-US" altLang="zh-TW" sz="2400" dirty="0">
-                <a:latin typeface="Times New Roman" panose="02020603050405020304" pitchFamily="18" charset="0"/>
-                <a:cs typeface="Times New Roman" panose="02020603050405020304" pitchFamily="18" charset="0"/>
-              </a:rPr>
-              <a:t>Implementation and result</a:t>
-            </a:r>
-          </a:p>
-          <a:p>
-            <a:pPr marL="514350" indent="-514350">
-              <a:lnSpc>
-                <a:spcPct val="150000"/>
-              </a:lnSpc>
-              <a:buAutoNum type="arabicPeriod"/>
-            </a:pPr>
-            <a:r>
-              <a:rPr kumimoji="1" lang="en-US" altLang="zh-TW" sz="2400" dirty="0">
-                <a:latin typeface="Times New Roman" panose="02020603050405020304" pitchFamily="18" charset="0"/>
-                <a:cs typeface="Times New Roman" panose="02020603050405020304" pitchFamily="18" charset="0"/>
-              </a:rPr>
-              <a:t>Conclusion</a:t>
-            </a:r>
-            <a:endParaRPr kumimoji="1" lang="zh-TW" altLang="en-US" sz="2400" dirty="0">
-              <a:latin typeface="Times New Roman" panose="02020603050405020304" pitchFamily="18" charset="0"/>
-              <a:cs typeface="Times New Roman" panose="02020603050405020304" pitchFamily="18" charset="0"/>
-            </a:endParaRPr>
-          </a:p>
-        </p:txBody>
-      </p:sp>
-      <p:sp>
-        <p:nvSpPr>
           <p:cNvPr id="4" name="投影片編號版面配置區 3">
             <a:extLst>
               <a:ext uri="{FF2B5EF4-FFF2-40B4-BE49-F238E27FC236}">
-                <a16:creationId xmlns:a16="http://schemas.microsoft.com/office/drawing/2014/main" id="{49E3230D-DDFA-8137-65DA-54E9C2DA9F7F}"/>
+                <a16:creationId xmlns:a16="http://schemas.microsoft.com/office/drawing/2014/main" id="{15BCC215-00F0-FA67-3F18-FB15E7EC202B}"/>
               </a:ext>
             </a:extLst>
           </p:cNvPr>
@@ -8955,10 +9351,40 @@
           </a:p>
         </p:txBody>
       </p:sp>
+      <p:pic>
+        <p:nvPicPr>
+          <p:cNvPr id="6" name="圖片 5">
+            <a:extLst>
+              <a:ext uri="{FF2B5EF4-FFF2-40B4-BE49-F238E27FC236}">
+                <a16:creationId xmlns:a16="http://schemas.microsoft.com/office/drawing/2014/main" id="{B3C14FD8-9041-C002-7FB7-5565AAE56E52}"/>
+              </a:ext>
+            </a:extLst>
+          </p:cNvPr>
+          <p:cNvPicPr>
+            <a:picLocks noChangeAspect="1"/>
+          </p:cNvPicPr>
+          <p:nvPr/>
+        </p:nvPicPr>
+        <p:blipFill>
+          <a:blip r:embed="rId3"/>
+          <a:stretch>
+            <a:fillRect/>
+          </a:stretch>
+        </p:blipFill>
+        <p:spPr>
+          <a:xfrm>
+            <a:off x="5556391" y="0"/>
+            <a:ext cx="6337018" cy="6858000"/>
+          </a:xfrm>
+          <a:prstGeom prst="rect">
+            <a:avLst/>
+          </a:prstGeom>
+        </p:spPr>
+      </p:pic>
     </p:spTree>
     <p:extLst>
       <p:ext uri="{BB962C8B-B14F-4D97-AF65-F5344CB8AC3E}">
-        <p14:creationId xmlns:p14="http://schemas.microsoft.com/office/powerpoint/2010/main" val="404805985"/>
+        <p14:creationId xmlns:p14="http://schemas.microsoft.com/office/powerpoint/2010/main" val="745200390"/>
       </p:ext>
     </p:extLst>
   </p:cSld>
@@ -9147,6 +9573,11 @@
             </a:pPr>
             <a:r>
               <a:rPr kumimoji="1" lang="en-US" altLang="zh-TW" sz="2400" dirty="0">
+                <a:solidFill>
+                  <a:schemeClr val="accent1">
+                    <a:lumMod val="75000"/>
+                  </a:schemeClr>
+                </a:solidFill>
                 <a:latin typeface="Times New Roman" panose="02020603050405020304" pitchFamily="18" charset="0"/>
                 <a:cs typeface="Times New Roman" panose="02020603050405020304" pitchFamily="18" charset="0"/>
               </a:rPr>
@@ -9162,11 +9593,6 @@
             </a:pPr>
             <a:r>
               <a:rPr kumimoji="1" lang="en-US" altLang="zh-TW" sz="2400" dirty="0">
-                <a:solidFill>
-                  <a:schemeClr val="accent1">
-                    <a:lumMod val="75000"/>
-                  </a:schemeClr>
-                </a:solidFill>
                 <a:latin typeface="Times New Roman" panose="02020603050405020304" pitchFamily="18" charset="0"/>
                 <a:cs typeface="Times New Roman" panose="02020603050405020304" pitchFamily="18" charset="0"/>
               </a:rPr>
@@ -9196,10 +9622,10 @@
       </p:sp>
       <p:sp>
         <p:nvSpPr>
-          <p:cNvPr id="6" name="投影片編號版面配置區 5">
-            <a:extLst>
-              <a:ext uri="{FF2B5EF4-FFF2-40B4-BE49-F238E27FC236}">
-                <a16:creationId xmlns:a16="http://schemas.microsoft.com/office/drawing/2014/main" id="{D43E3B48-C94B-B962-9089-507EAD045918}"/>
+          <p:cNvPr id="4" name="投影片編號版面配置區 3">
+            <a:extLst>
+              <a:ext uri="{FF2B5EF4-FFF2-40B4-BE49-F238E27FC236}">
+                <a16:creationId xmlns:a16="http://schemas.microsoft.com/office/drawing/2014/main" id="{49E3230D-DDFA-8137-65DA-54E9C2DA9F7F}"/>
               </a:ext>
             </a:extLst>
           </p:cNvPr>
@@ -9226,7 +9652,7 @@
     </p:spTree>
     <p:extLst>
       <p:ext uri="{BB962C8B-B14F-4D97-AF65-F5344CB8AC3E}">
-        <p14:creationId xmlns:p14="http://schemas.microsoft.com/office/powerpoint/2010/main" val="1578889100"/>
+        <p14:creationId xmlns:p14="http://schemas.microsoft.com/office/powerpoint/2010/main" val="404805985"/>
       </p:ext>
     </p:extLst>
   </p:cSld>
@@ -9258,7 +9684,7 @@
           <p:cNvPr id="2" name="標題 1">
             <a:extLst>
               <a:ext uri="{FF2B5EF4-FFF2-40B4-BE49-F238E27FC236}">
-                <a16:creationId xmlns:a16="http://schemas.microsoft.com/office/drawing/2014/main" id="{06659E65-341A-0D1C-DC00-78CA26660388}"/>
+                <a16:creationId xmlns:a16="http://schemas.microsoft.com/office/drawing/2014/main" id="{906B6324-86ED-A939-74F1-E5A416A581E1}"/>
               </a:ext>
             </a:extLst>
           </p:cNvPr>
@@ -9271,7 +9697,7 @@
         </p:nvSpPr>
         <p:spPr>
           <a:xfrm>
-            <a:off x="1210109" y="268711"/>
+            <a:off x="913775" y="268711"/>
             <a:ext cx="10364451" cy="1596177"/>
           </a:xfrm>
         </p:spPr>
@@ -9279,8 +9705,9 @@
           <a:bodyPr/>
           <a:lstStyle/>
           <a:p>
-            <a:r>
-              <a:rPr kumimoji="1" lang="en-US" altLang="zh-TW" dirty="0">
+            <a:pPr marL="514350" indent="-514350"/>
+            <a:r>
+              <a:rPr kumimoji="1" lang="en-US" altLang="zh-TW" sz="4400" dirty="0">
                 <a:solidFill>
                   <a:schemeClr val="accent1">
                     <a:lumMod val="75000"/>
@@ -9289,9 +9716,9 @@
                 <a:latin typeface="Times New Roman" panose="02020603050405020304" pitchFamily="18" charset="0"/>
                 <a:cs typeface="Times New Roman" panose="02020603050405020304" pitchFamily="18" charset="0"/>
               </a:rPr>
-              <a:t>Outline</a:t>
-            </a:r>
-            <a:endParaRPr kumimoji="1" lang="zh-TW" altLang="en-US" dirty="0">
+              <a:t>Test method</a:t>
+            </a:r>
+            <a:endParaRPr kumimoji="1" lang="en-US" altLang="zh-TW" dirty="0">
               <a:solidFill>
                 <a:schemeClr val="accent1">
                   <a:lumMod val="75000"/>
@@ -9305,10 +9732,10 @@
       </p:sp>
       <p:sp>
         <p:nvSpPr>
-          <p:cNvPr id="3" name="內容版面配置區 2">
-            <a:extLst>
-              <a:ext uri="{FF2B5EF4-FFF2-40B4-BE49-F238E27FC236}">
-                <a16:creationId xmlns:a16="http://schemas.microsoft.com/office/drawing/2014/main" id="{089DEEE4-9C03-1C4F-C218-E9DEA7F3D974}"/>
+          <p:cNvPr id="7" name="內容版面配置區 2">
+            <a:extLst>
+              <a:ext uri="{FF2B5EF4-FFF2-40B4-BE49-F238E27FC236}">
+                <a16:creationId xmlns:a16="http://schemas.microsoft.com/office/drawing/2014/main" id="{92A51AE3-7E65-DC53-0C23-2AD3B71D4D5D}"/>
               </a:ext>
             </a:extLst>
           </p:cNvPr>
@@ -9321,158 +9748,96 @@
         </p:nvSpPr>
         <p:spPr>
           <a:xfrm>
-            <a:off x="1210108" y="1606606"/>
-            <a:ext cx="10778067" cy="4777260"/>
+            <a:off x="913773" y="1701902"/>
+            <a:ext cx="10364452" cy="4654448"/>
           </a:xfrm>
         </p:spPr>
         <p:txBody>
           <a:bodyPr>
-            <a:normAutofit fontScale="92500" lnSpcReduction="10000"/>
+            <a:normAutofit/>
           </a:bodyPr>
           <a:lstStyle/>
           <a:p>
-            <a:pPr marL="514350" indent="-514350">
+            <a:pPr algn="just">
               <a:lnSpc>
                 <a:spcPct val="150000"/>
               </a:lnSpc>
-              <a:buAutoNum type="arabicPeriod"/>
             </a:pPr>
             <a:r>
-              <a:rPr kumimoji="1" lang="en-US" altLang="zh-TW" sz="2400" dirty="0">
-                <a:latin typeface="Times New Roman" panose="02020603050405020304" pitchFamily="18" charset="0"/>
-                <a:cs typeface="Times New Roman" panose="02020603050405020304" pitchFamily="18" charset="0"/>
-              </a:rPr>
-              <a:t>Abstract</a:t>
-            </a:r>
-          </a:p>
-          <a:p>
-            <a:pPr marL="514350" indent="-514350">
+              <a:rPr lang="en-US" altLang="zh-TW" sz="2400" dirty="0">
+                <a:latin typeface="Times New Roman" panose="02020603050405020304" pitchFamily="18" charset="0"/>
+                <a:cs typeface="Times New Roman" panose="02020603050405020304" pitchFamily="18" charset="0"/>
+              </a:rPr>
+              <a:t>Testing will be conducted manually along with the implementation by verifying each phase output with the acceptance criteria:</a:t>
+            </a:r>
+          </a:p>
+          <a:p>
+            <a:pPr algn="just">
               <a:lnSpc>
                 <a:spcPct val="150000"/>
               </a:lnSpc>
-              <a:buFont typeface="Arial" panose="020B0604020202020204" pitchFamily="34" charset="0"/>
-              <a:buAutoNum type="arabicPeriod"/>
             </a:pPr>
-            <a:r>
-              <a:rPr kumimoji="1" lang="en-US" altLang="zh-TW" sz="2400" dirty="0">
-                <a:latin typeface="Times New Roman" panose="02020603050405020304" pitchFamily="18" charset="0"/>
-                <a:cs typeface="Times New Roman" panose="02020603050405020304" pitchFamily="18" charset="0"/>
-              </a:rPr>
-              <a:t>Introduction</a:t>
-            </a:r>
-          </a:p>
-          <a:p>
-            <a:pPr marL="514350" indent="-514350">
+            <a:endParaRPr lang="en-US" altLang="zh-TW" sz="2400" dirty="0">
+              <a:latin typeface="Times New Roman" panose="02020603050405020304" pitchFamily="18" charset="0"/>
+              <a:cs typeface="Times New Roman" panose="02020603050405020304" pitchFamily="18" charset="0"/>
+            </a:endParaRPr>
+          </a:p>
+          <a:p>
+            <a:pPr marL="457200" indent="-457200" algn="just">
               <a:lnSpc>
                 <a:spcPct val="150000"/>
               </a:lnSpc>
+              <a:buFont typeface="+mj-lt"/>
               <a:buAutoNum type="arabicPeriod"/>
             </a:pPr>
             <a:r>
-              <a:rPr kumimoji="1" lang="en-US" altLang="zh-TW" sz="2400" dirty="0">
-                <a:latin typeface="Times New Roman" panose="02020603050405020304" pitchFamily="18" charset="0"/>
-                <a:cs typeface="Times New Roman" panose="02020603050405020304" pitchFamily="18" charset="0"/>
-              </a:rPr>
-              <a:t>Related works</a:t>
-            </a:r>
-          </a:p>
-          <a:p>
-            <a:pPr marL="514350" indent="-514350">
+              <a:rPr lang="en-US" altLang="zh-TW" sz="2400" dirty="0">
+                <a:latin typeface="Times New Roman" panose="02020603050405020304" pitchFamily="18" charset="0"/>
+                <a:cs typeface="Times New Roman" panose="02020603050405020304" pitchFamily="18" charset="0"/>
+              </a:rPr>
+              <a:t>Data extraction: Sample dataset files will be tamed by Text Analytics tool.</a:t>
+            </a:r>
+          </a:p>
+          <a:p>
+            <a:pPr marL="457200" indent="-457200" algn="just">
               <a:lnSpc>
                 <a:spcPct val="150000"/>
               </a:lnSpc>
+              <a:buFont typeface="+mj-lt"/>
               <a:buAutoNum type="arabicPeriod"/>
             </a:pPr>
             <a:r>
-              <a:rPr kumimoji="1" lang="en-US" altLang="zh-TW" sz="2400" dirty="0">
-                <a:latin typeface="Times New Roman" panose="02020603050405020304" pitchFamily="18" charset="0"/>
-                <a:cs typeface="Times New Roman" panose="02020603050405020304" pitchFamily="18" charset="0"/>
-              </a:rPr>
-              <a:t>Proposed system</a:t>
-            </a:r>
-          </a:p>
-          <a:p>
-            <a:pPr marL="514350" indent="-514350">
+              <a:rPr lang="en-US" altLang="zh-TW" sz="2400" dirty="0">
+                <a:latin typeface="Times New Roman" panose="02020603050405020304" pitchFamily="18" charset="0"/>
+                <a:cs typeface="Times New Roman" panose="02020603050405020304" pitchFamily="18" charset="0"/>
+              </a:rPr>
+              <a:t>ETL process: Extracted text as CSV files will be transformed, cleansed and loaded into data warehouse.</a:t>
+            </a:r>
+          </a:p>
+          <a:p>
+            <a:pPr marL="457200" indent="-457200" algn="just">
               <a:lnSpc>
                 <a:spcPct val="150000"/>
               </a:lnSpc>
+              <a:buFont typeface="+mj-lt"/>
               <a:buAutoNum type="arabicPeriod"/>
             </a:pPr>
             <a:r>
-              <a:rPr kumimoji="1" lang="en-US" altLang="zh-TW" sz="2400" dirty="0">
-                <a:latin typeface="Times New Roman" panose="02020603050405020304" pitchFamily="18" charset="0"/>
-                <a:cs typeface="Times New Roman" panose="02020603050405020304" pitchFamily="18" charset="0"/>
-              </a:rPr>
-              <a:t>Database design</a:t>
-            </a:r>
-          </a:p>
-          <a:p>
-            <a:pPr marL="514350" indent="-514350">
-              <a:lnSpc>
-                <a:spcPct val="150000"/>
-              </a:lnSpc>
-              <a:buAutoNum type="arabicPeriod"/>
-            </a:pPr>
-            <a:r>
-              <a:rPr kumimoji="1" lang="en-US" altLang="zh-TW" sz="2400" dirty="0">
-                <a:latin typeface="Times New Roman" panose="02020603050405020304" pitchFamily="18" charset="0"/>
-                <a:cs typeface="Times New Roman" panose="02020603050405020304" pitchFamily="18" charset="0"/>
-              </a:rPr>
-              <a:t>Test method</a:t>
-            </a:r>
-          </a:p>
-          <a:p>
-            <a:pPr marL="514350" indent="-514350">
-              <a:lnSpc>
-                <a:spcPct val="150000"/>
-              </a:lnSpc>
-              <a:buAutoNum type="arabicPeriod"/>
-            </a:pPr>
-            <a:r>
-              <a:rPr kumimoji="1" lang="en-US" altLang="zh-TW" sz="2400" dirty="0">
-                <a:latin typeface="Times New Roman" panose="02020603050405020304" pitchFamily="18" charset="0"/>
-                <a:cs typeface="Times New Roman" panose="02020603050405020304" pitchFamily="18" charset="0"/>
-              </a:rPr>
-              <a:t>Implementation and result</a:t>
-            </a:r>
-          </a:p>
-          <a:p>
-            <a:pPr marL="514350" indent="-514350">
-              <a:lnSpc>
-                <a:spcPct val="150000"/>
-              </a:lnSpc>
-              <a:buAutoNum type="arabicPeriod"/>
-            </a:pPr>
-            <a:r>
-              <a:rPr kumimoji="1" lang="en-US" altLang="zh-TW" sz="2400" dirty="0">
-                <a:solidFill>
-                  <a:schemeClr val="accent1">
-                    <a:lumMod val="75000"/>
-                  </a:schemeClr>
-                </a:solidFill>
-                <a:latin typeface="Times New Roman" panose="02020603050405020304" pitchFamily="18" charset="0"/>
-                <a:cs typeface="Times New Roman" panose="02020603050405020304" pitchFamily="18" charset="0"/>
-              </a:rPr>
-              <a:t>Conclusion</a:t>
-            </a:r>
-            <a:endParaRPr kumimoji="1" lang="zh-TW" altLang="en-US" sz="2400" dirty="0">
-              <a:solidFill>
-                <a:schemeClr val="accent1">
-                  <a:lumMod val="75000"/>
-                </a:schemeClr>
-              </a:solidFill>
-              <a:latin typeface="Times New Roman" panose="02020603050405020304" pitchFamily="18" charset="0"/>
-              <a:cs typeface="Times New Roman" panose="02020603050405020304" pitchFamily="18" charset="0"/>
-            </a:endParaRPr>
-          </a:p>
-        </p:txBody>
-      </p:sp>
-      <p:sp>
-        <p:nvSpPr>
-          <p:cNvPr id="4" name="投影片編號版面配置區 3">
-            <a:extLst>
-              <a:ext uri="{FF2B5EF4-FFF2-40B4-BE49-F238E27FC236}">
-                <a16:creationId xmlns:a16="http://schemas.microsoft.com/office/drawing/2014/main" id="{3CDF2AFF-CDA4-CCE9-07BB-BDF7E1BC9BDB}"/>
+              <a:rPr lang="en-US" altLang="zh-TW" sz="2400" dirty="0">
+                <a:latin typeface="Times New Roman" panose="02020603050405020304" pitchFamily="18" charset="0"/>
+                <a:cs typeface="Times New Roman" panose="02020603050405020304" pitchFamily="18" charset="0"/>
+              </a:rPr>
+              <a:t>Analytics reporting: OLAP cube can be created from data warehouse.</a:t>
+            </a:r>
+          </a:p>
+        </p:txBody>
+      </p:sp>
+      <p:sp>
+        <p:nvSpPr>
+          <p:cNvPr id="3" name="投影片編號版面配置區 2">
+            <a:extLst>
+              <a:ext uri="{FF2B5EF4-FFF2-40B4-BE49-F238E27FC236}">
+                <a16:creationId xmlns:a16="http://schemas.microsoft.com/office/drawing/2014/main" id="{87F83483-E9EC-57EF-B758-60414FFDF166}"/>
               </a:ext>
             </a:extLst>
           </p:cNvPr>
@@ -9499,7 +9864,7 @@
     </p:spTree>
     <p:extLst>
       <p:ext uri="{BB962C8B-B14F-4D97-AF65-F5344CB8AC3E}">
-        <p14:creationId xmlns:p14="http://schemas.microsoft.com/office/powerpoint/2010/main" val="1574433549"/>
+        <p14:creationId xmlns:p14="http://schemas.microsoft.com/office/powerpoint/2010/main" val="2731815573"/>
       </p:ext>
     </p:extLst>
   </p:cSld>
@@ -9531,6 +9896,274 @@
           <p:cNvPr id="2" name="標題 1">
             <a:extLst>
               <a:ext uri="{FF2B5EF4-FFF2-40B4-BE49-F238E27FC236}">
+                <a16:creationId xmlns:a16="http://schemas.microsoft.com/office/drawing/2014/main" id="{06659E65-341A-0D1C-DC00-78CA26660388}"/>
+              </a:ext>
+            </a:extLst>
+          </p:cNvPr>
+          <p:cNvSpPr>
+            <a:spLocks noGrp="1"/>
+          </p:cNvSpPr>
+          <p:nvPr>
+            <p:ph type="title"/>
+          </p:nvPr>
+        </p:nvSpPr>
+        <p:spPr>
+          <a:xfrm>
+            <a:off x="1210109" y="268711"/>
+            <a:ext cx="10364451" cy="1596177"/>
+          </a:xfrm>
+        </p:spPr>
+        <p:txBody>
+          <a:bodyPr/>
+          <a:lstStyle/>
+          <a:p>
+            <a:r>
+              <a:rPr kumimoji="1" lang="en-US" altLang="zh-TW" dirty="0">
+                <a:solidFill>
+                  <a:schemeClr val="accent1">
+                    <a:lumMod val="75000"/>
+                  </a:schemeClr>
+                </a:solidFill>
+                <a:latin typeface="Times New Roman" panose="02020603050405020304" pitchFamily="18" charset="0"/>
+                <a:cs typeface="Times New Roman" panose="02020603050405020304" pitchFamily="18" charset="0"/>
+              </a:rPr>
+              <a:t>Outline</a:t>
+            </a:r>
+            <a:endParaRPr kumimoji="1" lang="zh-TW" altLang="en-US" dirty="0">
+              <a:solidFill>
+                <a:schemeClr val="accent1">
+                  <a:lumMod val="75000"/>
+                </a:schemeClr>
+              </a:solidFill>
+              <a:latin typeface="Times New Roman" panose="02020603050405020304" pitchFamily="18" charset="0"/>
+              <a:cs typeface="Times New Roman" panose="02020603050405020304" pitchFamily="18" charset="0"/>
+            </a:endParaRPr>
+          </a:p>
+        </p:txBody>
+      </p:sp>
+      <p:sp>
+        <p:nvSpPr>
+          <p:cNvPr id="3" name="內容版面配置區 2">
+            <a:extLst>
+              <a:ext uri="{FF2B5EF4-FFF2-40B4-BE49-F238E27FC236}">
+                <a16:creationId xmlns:a16="http://schemas.microsoft.com/office/drawing/2014/main" id="{089DEEE4-9C03-1C4F-C218-E9DEA7F3D974}"/>
+              </a:ext>
+            </a:extLst>
+          </p:cNvPr>
+          <p:cNvSpPr>
+            <a:spLocks noGrp="1"/>
+          </p:cNvSpPr>
+          <p:nvPr>
+            <p:ph idx="1"/>
+          </p:nvPr>
+        </p:nvSpPr>
+        <p:spPr>
+          <a:xfrm>
+            <a:off x="1210108" y="1606606"/>
+            <a:ext cx="10778067" cy="4777260"/>
+          </a:xfrm>
+        </p:spPr>
+        <p:txBody>
+          <a:bodyPr>
+            <a:normAutofit fontScale="92500" lnSpcReduction="10000"/>
+          </a:bodyPr>
+          <a:lstStyle/>
+          <a:p>
+            <a:pPr marL="514350" indent="-514350">
+              <a:lnSpc>
+                <a:spcPct val="150000"/>
+              </a:lnSpc>
+              <a:buAutoNum type="arabicPeriod"/>
+            </a:pPr>
+            <a:r>
+              <a:rPr kumimoji="1" lang="en-US" altLang="zh-TW" sz="2400" dirty="0">
+                <a:latin typeface="Times New Roman" panose="02020603050405020304" pitchFamily="18" charset="0"/>
+                <a:cs typeface="Times New Roman" panose="02020603050405020304" pitchFamily="18" charset="0"/>
+              </a:rPr>
+              <a:t>Abstract</a:t>
+            </a:r>
+          </a:p>
+          <a:p>
+            <a:pPr marL="514350" indent="-514350">
+              <a:lnSpc>
+                <a:spcPct val="150000"/>
+              </a:lnSpc>
+              <a:buFont typeface="Arial" panose="020B0604020202020204" pitchFamily="34" charset="0"/>
+              <a:buAutoNum type="arabicPeriod"/>
+            </a:pPr>
+            <a:r>
+              <a:rPr kumimoji="1" lang="en-US" altLang="zh-TW" sz="2400" dirty="0">
+                <a:latin typeface="Times New Roman" panose="02020603050405020304" pitchFamily="18" charset="0"/>
+                <a:cs typeface="Times New Roman" panose="02020603050405020304" pitchFamily="18" charset="0"/>
+              </a:rPr>
+              <a:t>Introduction</a:t>
+            </a:r>
+          </a:p>
+          <a:p>
+            <a:pPr marL="514350" indent="-514350">
+              <a:lnSpc>
+                <a:spcPct val="150000"/>
+              </a:lnSpc>
+              <a:buAutoNum type="arabicPeriod"/>
+            </a:pPr>
+            <a:r>
+              <a:rPr kumimoji="1" lang="en-US" altLang="zh-TW" sz="2400" dirty="0">
+                <a:latin typeface="Times New Roman" panose="02020603050405020304" pitchFamily="18" charset="0"/>
+                <a:cs typeface="Times New Roman" panose="02020603050405020304" pitchFamily="18" charset="0"/>
+              </a:rPr>
+              <a:t>Related works</a:t>
+            </a:r>
+          </a:p>
+          <a:p>
+            <a:pPr marL="514350" indent="-514350">
+              <a:lnSpc>
+                <a:spcPct val="150000"/>
+              </a:lnSpc>
+              <a:buAutoNum type="arabicPeriod"/>
+            </a:pPr>
+            <a:r>
+              <a:rPr kumimoji="1" lang="en-US" altLang="zh-TW" sz="2400" dirty="0">
+                <a:latin typeface="Times New Roman" panose="02020603050405020304" pitchFamily="18" charset="0"/>
+                <a:cs typeface="Times New Roman" panose="02020603050405020304" pitchFamily="18" charset="0"/>
+              </a:rPr>
+              <a:t>Proposed system</a:t>
+            </a:r>
+          </a:p>
+          <a:p>
+            <a:pPr marL="514350" indent="-514350">
+              <a:lnSpc>
+                <a:spcPct val="150000"/>
+              </a:lnSpc>
+              <a:buAutoNum type="arabicPeriod"/>
+            </a:pPr>
+            <a:r>
+              <a:rPr kumimoji="1" lang="en-US" altLang="zh-TW" sz="2400" dirty="0">
+                <a:latin typeface="Times New Roman" panose="02020603050405020304" pitchFamily="18" charset="0"/>
+                <a:cs typeface="Times New Roman" panose="02020603050405020304" pitchFamily="18" charset="0"/>
+              </a:rPr>
+              <a:t>Database design</a:t>
+            </a:r>
+          </a:p>
+          <a:p>
+            <a:pPr marL="514350" indent="-514350">
+              <a:lnSpc>
+                <a:spcPct val="150000"/>
+              </a:lnSpc>
+              <a:buAutoNum type="arabicPeriod"/>
+            </a:pPr>
+            <a:r>
+              <a:rPr kumimoji="1" lang="en-US" altLang="zh-TW" sz="2400" dirty="0">
+                <a:latin typeface="Times New Roman" panose="02020603050405020304" pitchFamily="18" charset="0"/>
+                <a:cs typeface="Times New Roman" panose="02020603050405020304" pitchFamily="18" charset="0"/>
+              </a:rPr>
+              <a:t>Test method</a:t>
+            </a:r>
+          </a:p>
+          <a:p>
+            <a:pPr marL="514350" indent="-514350">
+              <a:lnSpc>
+                <a:spcPct val="150000"/>
+              </a:lnSpc>
+              <a:buAutoNum type="arabicPeriod"/>
+            </a:pPr>
+            <a:r>
+              <a:rPr kumimoji="1" lang="en-US" altLang="zh-TW" sz="2400" dirty="0">
+                <a:solidFill>
+                  <a:schemeClr val="accent1">
+                    <a:lumMod val="75000"/>
+                  </a:schemeClr>
+                </a:solidFill>
+                <a:latin typeface="Times New Roman" panose="02020603050405020304" pitchFamily="18" charset="0"/>
+                <a:cs typeface="Times New Roman" panose="02020603050405020304" pitchFamily="18" charset="0"/>
+              </a:rPr>
+              <a:t>Implementation and result</a:t>
+            </a:r>
+          </a:p>
+          <a:p>
+            <a:pPr marL="514350" indent="-514350">
+              <a:lnSpc>
+                <a:spcPct val="150000"/>
+              </a:lnSpc>
+              <a:buAutoNum type="arabicPeriod"/>
+            </a:pPr>
+            <a:r>
+              <a:rPr kumimoji="1" lang="en-US" altLang="zh-TW" sz="2400" dirty="0">
+                <a:latin typeface="Times New Roman" panose="02020603050405020304" pitchFamily="18" charset="0"/>
+                <a:cs typeface="Times New Roman" panose="02020603050405020304" pitchFamily="18" charset="0"/>
+              </a:rPr>
+              <a:t>Conclusion</a:t>
+            </a:r>
+            <a:endParaRPr kumimoji="1" lang="zh-TW" altLang="en-US" sz="2400" dirty="0">
+              <a:latin typeface="Times New Roman" panose="02020603050405020304" pitchFamily="18" charset="0"/>
+              <a:cs typeface="Times New Roman" panose="02020603050405020304" pitchFamily="18" charset="0"/>
+            </a:endParaRPr>
+          </a:p>
+        </p:txBody>
+      </p:sp>
+      <p:sp>
+        <p:nvSpPr>
+          <p:cNvPr id="6" name="投影片編號版面配置區 5">
+            <a:extLst>
+              <a:ext uri="{FF2B5EF4-FFF2-40B4-BE49-F238E27FC236}">
+                <a16:creationId xmlns:a16="http://schemas.microsoft.com/office/drawing/2014/main" id="{D43E3B48-C94B-B962-9089-507EAD045918}"/>
+              </a:ext>
+            </a:extLst>
+          </p:cNvPr>
+          <p:cNvSpPr>
+            <a:spLocks noGrp="1"/>
+          </p:cNvSpPr>
+          <p:nvPr>
+            <p:ph type="sldNum" sz="quarter" idx="12"/>
+          </p:nvPr>
+        </p:nvSpPr>
+        <p:spPr/>
+        <p:txBody>
+          <a:bodyPr/>
+          <a:lstStyle/>
+          <a:p>
+            <a:fld id="{172F2753-FA7D-7348-BD56-5EC7C5DB9863}" type="slidenum">
+              <a:rPr kumimoji="1" lang="zh-TW" altLang="en-US" smtClean="0"/>
+              <a:t>24</a:t>
+            </a:fld>
+            <a:endParaRPr kumimoji="1" lang="zh-TW" altLang="en-US"/>
+          </a:p>
+        </p:txBody>
+      </p:sp>
+    </p:spTree>
+    <p:extLst>
+      <p:ext uri="{BB962C8B-B14F-4D97-AF65-F5344CB8AC3E}">
+        <p14:creationId xmlns:p14="http://schemas.microsoft.com/office/powerpoint/2010/main" val="1578889100"/>
+      </p:ext>
+    </p:extLst>
+  </p:cSld>
+  <p:clrMapOvr>
+    <a:masterClrMapping/>
+  </p:clrMapOvr>
+</p:sld>
+</file>
+
+<file path=ppt/slides/slide25.xml><?xml version="1.0" encoding="utf-8"?>
+<p:sld xmlns:a="http://schemas.openxmlformats.org/drawingml/2006/main" xmlns:r="http://schemas.openxmlformats.org/officeDocument/2006/relationships" xmlns:p="http://schemas.openxmlformats.org/presentationml/2006/main">
+  <p:cSld>
+    <p:spTree>
+      <p:nvGrpSpPr>
+        <p:cNvPr id="1" name=""/>
+        <p:cNvGrpSpPr/>
+        <p:nvPr/>
+      </p:nvGrpSpPr>
+      <p:grpSpPr>
+        <a:xfrm>
+          <a:off x="0" y="0"/>
+          <a:ext cx="0" cy="0"/>
+          <a:chOff x="0" y="0"/>
+          <a:chExt cx="0" cy="0"/>
+        </a:xfrm>
+      </p:grpSpPr>
+      <p:sp>
+        <p:nvSpPr>
+          <p:cNvPr id="2" name="標題 1">
+            <a:extLst>
+              <a:ext uri="{FF2B5EF4-FFF2-40B4-BE49-F238E27FC236}">
                 <a16:creationId xmlns:a16="http://schemas.microsoft.com/office/drawing/2014/main" id="{906B6324-86ED-A939-74F1-E5A416A581E1}"/>
               </a:ext>
             </a:extLst>
@@ -9563,7 +10196,7 @@
                 <a:latin typeface="Times New Roman" panose="02020603050405020304" pitchFamily="18" charset="0"/>
                 <a:cs typeface="Times New Roman" panose="02020603050405020304" pitchFamily="18" charset="0"/>
               </a:rPr>
-              <a:t>Conclusion and future work</a:t>
+              <a:t>Implementation and result</a:t>
             </a:r>
             <a:endParaRPr kumimoji="1" lang="en-US" altLang="zh-TW" dirty="0">
               <a:solidFill>
@@ -9579,6 +10212,432 @@
       </p:sp>
       <p:sp>
         <p:nvSpPr>
+          <p:cNvPr id="7" name="內容版面配置區 2">
+            <a:extLst>
+              <a:ext uri="{FF2B5EF4-FFF2-40B4-BE49-F238E27FC236}">
+                <a16:creationId xmlns:a16="http://schemas.microsoft.com/office/drawing/2014/main" id="{92A51AE3-7E65-DC53-0C23-2AD3B71D4D5D}"/>
+              </a:ext>
+            </a:extLst>
+          </p:cNvPr>
+          <p:cNvSpPr>
+            <a:spLocks noGrp="1"/>
+          </p:cNvSpPr>
+          <p:nvPr>
+            <p:ph idx="1"/>
+          </p:nvPr>
+        </p:nvSpPr>
+        <p:spPr>
+          <a:xfrm>
+            <a:off x="913773" y="1701902"/>
+            <a:ext cx="10364452" cy="4654448"/>
+          </a:xfrm>
+        </p:spPr>
+        <p:txBody>
+          <a:bodyPr>
+            <a:normAutofit/>
+          </a:bodyPr>
+          <a:lstStyle/>
+          <a:p>
+            <a:pPr algn="just">
+              <a:lnSpc>
+                <a:spcPct val="150000"/>
+              </a:lnSpc>
+            </a:pPr>
+            <a:r>
+              <a:rPr lang="en-US" altLang="zh-TW" sz="2400" dirty="0">
+                <a:latin typeface="Times New Roman" panose="02020603050405020304" pitchFamily="18" charset="0"/>
+                <a:cs typeface="Times New Roman" panose="02020603050405020304" pitchFamily="18" charset="0"/>
+              </a:rPr>
+              <a:t>d</a:t>
+            </a:r>
+          </a:p>
+        </p:txBody>
+      </p:sp>
+      <p:sp>
+        <p:nvSpPr>
+          <p:cNvPr id="3" name="投影片編號版面配置區 2">
+            <a:extLst>
+              <a:ext uri="{FF2B5EF4-FFF2-40B4-BE49-F238E27FC236}">
+                <a16:creationId xmlns:a16="http://schemas.microsoft.com/office/drawing/2014/main" id="{87F83483-E9EC-57EF-B758-60414FFDF166}"/>
+              </a:ext>
+            </a:extLst>
+          </p:cNvPr>
+          <p:cNvSpPr>
+            <a:spLocks noGrp="1"/>
+          </p:cNvSpPr>
+          <p:nvPr>
+            <p:ph type="sldNum" sz="quarter" idx="12"/>
+          </p:nvPr>
+        </p:nvSpPr>
+        <p:spPr/>
+        <p:txBody>
+          <a:bodyPr/>
+          <a:lstStyle/>
+          <a:p>
+            <a:fld id="{172F2753-FA7D-7348-BD56-5EC7C5DB9863}" type="slidenum">
+              <a:rPr kumimoji="1" lang="zh-TW" altLang="en-US" smtClean="0"/>
+              <a:t>25</a:t>
+            </a:fld>
+            <a:endParaRPr kumimoji="1" lang="zh-TW" altLang="en-US"/>
+          </a:p>
+        </p:txBody>
+      </p:sp>
+    </p:spTree>
+    <p:extLst>
+      <p:ext uri="{BB962C8B-B14F-4D97-AF65-F5344CB8AC3E}">
+        <p14:creationId xmlns:p14="http://schemas.microsoft.com/office/powerpoint/2010/main" val="3219313969"/>
+      </p:ext>
+    </p:extLst>
+  </p:cSld>
+  <p:clrMapOvr>
+    <a:masterClrMapping/>
+  </p:clrMapOvr>
+</p:sld>
+</file>
+
+<file path=ppt/slides/slide26.xml><?xml version="1.0" encoding="utf-8"?>
+<p:sld xmlns:a="http://schemas.openxmlformats.org/drawingml/2006/main" xmlns:r="http://schemas.openxmlformats.org/officeDocument/2006/relationships" xmlns:p="http://schemas.openxmlformats.org/presentationml/2006/main">
+  <p:cSld>
+    <p:spTree>
+      <p:nvGrpSpPr>
+        <p:cNvPr id="1" name=""/>
+        <p:cNvGrpSpPr/>
+        <p:nvPr/>
+      </p:nvGrpSpPr>
+      <p:grpSpPr>
+        <a:xfrm>
+          <a:off x="0" y="0"/>
+          <a:ext cx="0" cy="0"/>
+          <a:chOff x="0" y="0"/>
+          <a:chExt cx="0" cy="0"/>
+        </a:xfrm>
+      </p:grpSpPr>
+      <p:sp>
+        <p:nvSpPr>
+          <p:cNvPr id="2" name="標題 1">
+            <a:extLst>
+              <a:ext uri="{FF2B5EF4-FFF2-40B4-BE49-F238E27FC236}">
+                <a16:creationId xmlns:a16="http://schemas.microsoft.com/office/drawing/2014/main" id="{06659E65-341A-0D1C-DC00-78CA26660388}"/>
+              </a:ext>
+            </a:extLst>
+          </p:cNvPr>
+          <p:cNvSpPr>
+            <a:spLocks noGrp="1"/>
+          </p:cNvSpPr>
+          <p:nvPr>
+            <p:ph type="title"/>
+          </p:nvPr>
+        </p:nvSpPr>
+        <p:spPr>
+          <a:xfrm>
+            <a:off x="1210109" y="268711"/>
+            <a:ext cx="10364451" cy="1596177"/>
+          </a:xfrm>
+        </p:spPr>
+        <p:txBody>
+          <a:bodyPr/>
+          <a:lstStyle/>
+          <a:p>
+            <a:r>
+              <a:rPr kumimoji="1" lang="en-US" altLang="zh-TW" dirty="0">
+                <a:solidFill>
+                  <a:schemeClr val="accent1">
+                    <a:lumMod val="75000"/>
+                  </a:schemeClr>
+                </a:solidFill>
+                <a:latin typeface="Times New Roman" panose="02020603050405020304" pitchFamily="18" charset="0"/>
+                <a:cs typeface="Times New Roman" panose="02020603050405020304" pitchFamily="18" charset="0"/>
+              </a:rPr>
+              <a:t>Outline</a:t>
+            </a:r>
+            <a:endParaRPr kumimoji="1" lang="zh-TW" altLang="en-US" dirty="0">
+              <a:solidFill>
+                <a:schemeClr val="accent1">
+                  <a:lumMod val="75000"/>
+                </a:schemeClr>
+              </a:solidFill>
+              <a:latin typeface="Times New Roman" panose="02020603050405020304" pitchFamily="18" charset="0"/>
+              <a:cs typeface="Times New Roman" panose="02020603050405020304" pitchFamily="18" charset="0"/>
+            </a:endParaRPr>
+          </a:p>
+        </p:txBody>
+      </p:sp>
+      <p:sp>
+        <p:nvSpPr>
+          <p:cNvPr id="3" name="內容版面配置區 2">
+            <a:extLst>
+              <a:ext uri="{FF2B5EF4-FFF2-40B4-BE49-F238E27FC236}">
+                <a16:creationId xmlns:a16="http://schemas.microsoft.com/office/drawing/2014/main" id="{089DEEE4-9C03-1C4F-C218-E9DEA7F3D974}"/>
+              </a:ext>
+            </a:extLst>
+          </p:cNvPr>
+          <p:cNvSpPr>
+            <a:spLocks noGrp="1"/>
+          </p:cNvSpPr>
+          <p:nvPr>
+            <p:ph idx="1"/>
+          </p:nvPr>
+        </p:nvSpPr>
+        <p:spPr>
+          <a:xfrm>
+            <a:off x="1210108" y="1606606"/>
+            <a:ext cx="10778067" cy="4777260"/>
+          </a:xfrm>
+        </p:spPr>
+        <p:txBody>
+          <a:bodyPr>
+            <a:normAutofit fontScale="92500" lnSpcReduction="10000"/>
+          </a:bodyPr>
+          <a:lstStyle/>
+          <a:p>
+            <a:pPr marL="514350" indent="-514350">
+              <a:lnSpc>
+                <a:spcPct val="150000"/>
+              </a:lnSpc>
+              <a:buAutoNum type="arabicPeriod"/>
+            </a:pPr>
+            <a:r>
+              <a:rPr kumimoji="1" lang="en-US" altLang="zh-TW" sz="2400" dirty="0">
+                <a:latin typeface="Times New Roman" panose="02020603050405020304" pitchFamily="18" charset="0"/>
+                <a:cs typeface="Times New Roman" panose="02020603050405020304" pitchFamily="18" charset="0"/>
+              </a:rPr>
+              <a:t>Abstract</a:t>
+            </a:r>
+          </a:p>
+          <a:p>
+            <a:pPr marL="514350" indent="-514350">
+              <a:lnSpc>
+                <a:spcPct val="150000"/>
+              </a:lnSpc>
+              <a:buFont typeface="Arial" panose="020B0604020202020204" pitchFamily="34" charset="0"/>
+              <a:buAutoNum type="arabicPeriod"/>
+            </a:pPr>
+            <a:r>
+              <a:rPr kumimoji="1" lang="en-US" altLang="zh-TW" sz="2400" dirty="0">
+                <a:latin typeface="Times New Roman" panose="02020603050405020304" pitchFamily="18" charset="0"/>
+                <a:cs typeface="Times New Roman" panose="02020603050405020304" pitchFamily="18" charset="0"/>
+              </a:rPr>
+              <a:t>Introduction</a:t>
+            </a:r>
+          </a:p>
+          <a:p>
+            <a:pPr marL="514350" indent="-514350">
+              <a:lnSpc>
+                <a:spcPct val="150000"/>
+              </a:lnSpc>
+              <a:buAutoNum type="arabicPeriod"/>
+            </a:pPr>
+            <a:r>
+              <a:rPr kumimoji="1" lang="en-US" altLang="zh-TW" sz="2400" dirty="0">
+                <a:latin typeface="Times New Roman" panose="02020603050405020304" pitchFamily="18" charset="0"/>
+                <a:cs typeface="Times New Roman" panose="02020603050405020304" pitchFamily="18" charset="0"/>
+              </a:rPr>
+              <a:t>Related works</a:t>
+            </a:r>
+          </a:p>
+          <a:p>
+            <a:pPr marL="514350" indent="-514350">
+              <a:lnSpc>
+                <a:spcPct val="150000"/>
+              </a:lnSpc>
+              <a:buAutoNum type="arabicPeriod"/>
+            </a:pPr>
+            <a:r>
+              <a:rPr kumimoji="1" lang="en-US" altLang="zh-TW" sz="2400" dirty="0">
+                <a:latin typeface="Times New Roman" panose="02020603050405020304" pitchFamily="18" charset="0"/>
+                <a:cs typeface="Times New Roman" panose="02020603050405020304" pitchFamily="18" charset="0"/>
+              </a:rPr>
+              <a:t>Proposed system</a:t>
+            </a:r>
+          </a:p>
+          <a:p>
+            <a:pPr marL="514350" indent="-514350">
+              <a:lnSpc>
+                <a:spcPct val="150000"/>
+              </a:lnSpc>
+              <a:buAutoNum type="arabicPeriod"/>
+            </a:pPr>
+            <a:r>
+              <a:rPr kumimoji="1" lang="en-US" altLang="zh-TW" sz="2400" dirty="0">
+                <a:latin typeface="Times New Roman" panose="02020603050405020304" pitchFamily="18" charset="0"/>
+                <a:cs typeface="Times New Roman" panose="02020603050405020304" pitchFamily="18" charset="0"/>
+              </a:rPr>
+              <a:t>Database design</a:t>
+            </a:r>
+          </a:p>
+          <a:p>
+            <a:pPr marL="514350" indent="-514350">
+              <a:lnSpc>
+                <a:spcPct val="150000"/>
+              </a:lnSpc>
+              <a:buAutoNum type="arabicPeriod"/>
+            </a:pPr>
+            <a:r>
+              <a:rPr kumimoji="1" lang="en-US" altLang="zh-TW" sz="2400" dirty="0">
+                <a:latin typeface="Times New Roman" panose="02020603050405020304" pitchFamily="18" charset="0"/>
+                <a:cs typeface="Times New Roman" panose="02020603050405020304" pitchFamily="18" charset="0"/>
+              </a:rPr>
+              <a:t>Test method</a:t>
+            </a:r>
+          </a:p>
+          <a:p>
+            <a:pPr marL="514350" indent="-514350">
+              <a:lnSpc>
+                <a:spcPct val="150000"/>
+              </a:lnSpc>
+              <a:buAutoNum type="arabicPeriod"/>
+            </a:pPr>
+            <a:r>
+              <a:rPr kumimoji="1" lang="en-US" altLang="zh-TW" sz="2400" dirty="0">
+                <a:latin typeface="Times New Roman" panose="02020603050405020304" pitchFamily="18" charset="0"/>
+                <a:cs typeface="Times New Roman" panose="02020603050405020304" pitchFamily="18" charset="0"/>
+              </a:rPr>
+              <a:t>Implementation and result</a:t>
+            </a:r>
+          </a:p>
+          <a:p>
+            <a:pPr marL="514350" indent="-514350">
+              <a:lnSpc>
+                <a:spcPct val="150000"/>
+              </a:lnSpc>
+              <a:buAutoNum type="arabicPeriod"/>
+            </a:pPr>
+            <a:r>
+              <a:rPr kumimoji="1" lang="en-US" altLang="zh-TW" sz="2400" dirty="0">
+                <a:solidFill>
+                  <a:schemeClr val="accent1">
+                    <a:lumMod val="75000"/>
+                  </a:schemeClr>
+                </a:solidFill>
+                <a:latin typeface="Times New Roman" panose="02020603050405020304" pitchFamily="18" charset="0"/>
+                <a:cs typeface="Times New Roman" panose="02020603050405020304" pitchFamily="18" charset="0"/>
+              </a:rPr>
+              <a:t>Conclusion</a:t>
+            </a:r>
+            <a:endParaRPr kumimoji="1" lang="zh-TW" altLang="en-US" sz="2400" dirty="0">
+              <a:solidFill>
+                <a:schemeClr val="accent1">
+                  <a:lumMod val="75000"/>
+                </a:schemeClr>
+              </a:solidFill>
+              <a:latin typeface="Times New Roman" panose="02020603050405020304" pitchFamily="18" charset="0"/>
+              <a:cs typeface="Times New Roman" panose="02020603050405020304" pitchFamily="18" charset="0"/>
+            </a:endParaRPr>
+          </a:p>
+        </p:txBody>
+      </p:sp>
+      <p:sp>
+        <p:nvSpPr>
+          <p:cNvPr id="4" name="投影片編號版面配置區 3">
+            <a:extLst>
+              <a:ext uri="{FF2B5EF4-FFF2-40B4-BE49-F238E27FC236}">
+                <a16:creationId xmlns:a16="http://schemas.microsoft.com/office/drawing/2014/main" id="{3CDF2AFF-CDA4-CCE9-07BB-BDF7E1BC9BDB}"/>
+              </a:ext>
+            </a:extLst>
+          </p:cNvPr>
+          <p:cNvSpPr>
+            <a:spLocks noGrp="1"/>
+          </p:cNvSpPr>
+          <p:nvPr>
+            <p:ph type="sldNum" sz="quarter" idx="12"/>
+          </p:nvPr>
+        </p:nvSpPr>
+        <p:spPr/>
+        <p:txBody>
+          <a:bodyPr/>
+          <a:lstStyle/>
+          <a:p>
+            <a:fld id="{172F2753-FA7D-7348-BD56-5EC7C5DB9863}" type="slidenum">
+              <a:rPr kumimoji="1" lang="zh-TW" altLang="en-US" smtClean="0"/>
+              <a:t>26</a:t>
+            </a:fld>
+            <a:endParaRPr kumimoji="1" lang="zh-TW" altLang="en-US"/>
+          </a:p>
+        </p:txBody>
+      </p:sp>
+    </p:spTree>
+    <p:extLst>
+      <p:ext uri="{BB962C8B-B14F-4D97-AF65-F5344CB8AC3E}">
+        <p14:creationId xmlns:p14="http://schemas.microsoft.com/office/powerpoint/2010/main" val="1574433549"/>
+      </p:ext>
+    </p:extLst>
+  </p:cSld>
+  <p:clrMapOvr>
+    <a:masterClrMapping/>
+  </p:clrMapOvr>
+</p:sld>
+</file>
+
+<file path=ppt/slides/slide27.xml><?xml version="1.0" encoding="utf-8"?>
+<p:sld xmlns:a="http://schemas.openxmlformats.org/drawingml/2006/main" xmlns:r="http://schemas.openxmlformats.org/officeDocument/2006/relationships" xmlns:p="http://schemas.openxmlformats.org/presentationml/2006/main">
+  <p:cSld>
+    <p:spTree>
+      <p:nvGrpSpPr>
+        <p:cNvPr id="1" name=""/>
+        <p:cNvGrpSpPr/>
+        <p:nvPr/>
+      </p:nvGrpSpPr>
+      <p:grpSpPr>
+        <a:xfrm>
+          <a:off x="0" y="0"/>
+          <a:ext cx="0" cy="0"/>
+          <a:chOff x="0" y="0"/>
+          <a:chExt cx="0" cy="0"/>
+        </a:xfrm>
+      </p:grpSpPr>
+      <p:sp>
+        <p:nvSpPr>
+          <p:cNvPr id="2" name="標題 1">
+            <a:extLst>
+              <a:ext uri="{FF2B5EF4-FFF2-40B4-BE49-F238E27FC236}">
+                <a16:creationId xmlns:a16="http://schemas.microsoft.com/office/drawing/2014/main" id="{906B6324-86ED-A939-74F1-E5A416A581E1}"/>
+              </a:ext>
+            </a:extLst>
+          </p:cNvPr>
+          <p:cNvSpPr>
+            <a:spLocks noGrp="1"/>
+          </p:cNvSpPr>
+          <p:nvPr>
+            <p:ph type="title"/>
+          </p:nvPr>
+        </p:nvSpPr>
+        <p:spPr>
+          <a:xfrm>
+            <a:off x="913775" y="268711"/>
+            <a:ext cx="10364451" cy="1596177"/>
+          </a:xfrm>
+        </p:spPr>
+        <p:txBody>
+          <a:bodyPr/>
+          <a:lstStyle/>
+          <a:p>
+            <a:pPr marL="514350" indent="-514350"/>
+            <a:r>
+              <a:rPr kumimoji="1" lang="en-US" altLang="zh-TW" sz="4400" dirty="0">
+                <a:solidFill>
+                  <a:schemeClr val="accent1">
+                    <a:lumMod val="75000"/>
+                  </a:schemeClr>
+                </a:solidFill>
+                <a:latin typeface="Times New Roman" panose="02020603050405020304" pitchFamily="18" charset="0"/>
+                <a:cs typeface="Times New Roman" panose="02020603050405020304" pitchFamily="18" charset="0"/>
+              </a:rPr>
+              <a:t>Conclusion</a:t>
+            </a:r>
+            <a:endParaRPr kumimoji="1" lang="en-US" altLang="zh-TW" dirty="0">
+              <a:solidFill>
+                <a:schemeClr val="accent1">
+                  <a:lumMod val="75000"/>
+                </a:schemeClr>
+              </a:solidFill>
+              <a:latin typeface="Times New Roman" panose="02020603050405020304" pitchFamily="18" charset="0"/>
+              <a:cs typeface="Times New Roman" panose="02020603050405020304" pitchFamily="18" charset="0"/>
+            </a:endParaRPr>
+          </a:p>
+        </p:txBody>
+      </p:sp>
+      <p:sp>
+        <p:nvSpPr>
           <p:cNvPr id="3" name="內容版面配置區 2">
             <a:extLst>
               <a:ext uri="{FF2B5EF4-FFF2-40B4-BE49-F238E27FC236}">
@@ -9647,7 +10706,7 @@
           <a:p>
             <a:fld id="{172F2753-FA7D-7348-BD56-5EC7C5DB9863}" type="slidenum">
               <a:rPr kumimoji="1" lang="zh-TW" altLang="en-US" smtClean="0"/>
-              <a:t>24</a:t>
+              <a:t>27</a:t>
             </a:fld>
             <a:endParaRPr kumimoji="1" lang="zh-TW" altLang="en-US"/>
           </a:p>

--- a/論文報告/A_New_Approach_to_Use_Big_Data_Tools_to_Substitute_Unstructured_Data_Warehouse.pptx
+++ b/論文報告/A_New_Approach_to_Use_Big_Data_Tools_to_Substitute_Unstructured_Data_Warehouse.pptx
@@ -687,7 +687,7 @@
           <a:p>
             <a:r>
               <a:rPr kumimoji="1" lang="zh-TW" altLang="en-US" dirty="0"/>
-              <a:t>為了將文本文檔導入數據倉庫，首先使用</a:t>
+              <a:t>為了將文字檔導入資料倉庫，首先使用</a:t>
             </a:r>
             <a:r>
               <a:rPr kumimoji="1" lang="en-US" altLang="zh-TW" dirty="0"/>
@@ -695,7 +695,7 @@
             </a:r>
             <a:r>
               <a:rPr kumimoji="1" lang="zh-TW" altLang="en-US" dirty="0"/>
-              <a:t>工具將文本文檔中的結構化信息提取為逗號分隔值（</a:t>
+              <a:t>工具將文字檔中的結構化資訊提取為逗號分隔值（</a:t>
             </a:r>
             <a:r>
               <a:rPr kumimoji="1" lang="en-US" altLang="zh-TW" dirty="0"/>
@@ -703,7 +703,7 @@
             </a:r>
             <a:r>
               <a:rPr kumimoji="1" lang="zh-TW" altLang="en-US" dirty="0"/>
-              <a:t>）文件，然後使用</a:t>
+              <a:t>）文件，然後在真實資料被轉換前，使用</a:t>
             </a:r>
             <a:r>
               <a:rPr kumimoji="1" lang="en-US" altLang="zh-TW" dirty="0"/>
@@ -711,7 +711,7 @@
             </a:r>
             <a:r>
               <a:rPr kumimoji="1" lang="zh-TW" altLang="en-US" dirty="0"/>
-              <a:t>工具將維度數據轉換並加載到數據倉庫中 事實數據被轉換，與維度數據映射並加載到數據倉庫中。</a:t>
+              <a:t>工具將維度資料轉換並加載到資料倉庫中，與維度資料映射並加載到資料倉庫中。</a:t>
             </a:r>
             <a:endParaRPr kumimoji="1" lang="en-US" altLang="zh-TW" dirty="0"/>
           </a:p>
@@ -799,7 +799,7 @@
           <a:p>
             <a:r>
               <a:rPr kumimoji="1" lang="zh-TW" altLang="en-US" dirty="0"/>
-              <a:t>對於新數據導入，將創建維度和事實的新數據表。 對於增量數據導入，維度和事實的現有數據表將被更新或刷新，如圖</a:t>
+              <a:t>對於新資料導入，它將創建維度和事實的新資料表。而對於增量資料導入，維度和事實的現有資料表將被更新或刷新，如圖</a:t>
             </a:r>
             <a:r>
               <a:rPr kumimoji="1" lang="en-US" altLang="zh-TW" dirty="0"/>
@@ -895,15 +895,7 @@
           <a:p>
             <a:r>
               <a:rPr kumimoji="1" lang="zh-TW" altLang="en-US" dirty="0"/>
-              <a:t>圖 </a:t>
-            </a:r>
-            <a:r>
-              <a:rPr kumimoji="1" lang="en-US" altLang="zh-TW" dirty="0"/>
-              <a:t>3 </a:t>
-            </a:r>
-            <a:r>
-              <a:rPr kumimoji="1" lang="zh-TW" altLang="en-US" dirty="0"/>
-              <a:t>說明了使用增量提取新文本文檔的過程。下面顯示了提取包含新信息或現有類型信息的新文本文檔的詳細步驟。 輸入文件可以導入文本分析 </a:t>
+              <a:t>右圖說明了使用增量提取新文字檔的過程。下面顯示了提取包含新資訊或現有類型資訊的新文字檔的詳細步驟。 輸入文件可以導入文本分析 </a:t>
             </a:r>
             <a:r>
               <a:rPr kumimoji="1" lang="en-US" altLang="zh-TW" dirty="0"/>
@@ -919,7 +911,7 @@
             </a:r>
             <a:r>
               <a:rPr kumimoji="1" lang="zh-TW" altLang="en-US" dirty="0"/>
-              <a:t>服務器中。 用戶識別要提取的所有信息。</a:t>
+              <a:t>伺服器中。 用戶會識別要提取的所有資訊。</a:t>
             </a:r>
             <a:endParaRPr kumimoji="1" lang="en-US" altLang="zh-TW" dirty="0"/>
           </a:p>
@@ -1007,15 +999,7 @@
           <a:p>
             <a:r>
               <a:rPr kumimoji="1" lang="zh-TW" altLang="en-US" dirty="0"/>
-              <a:t>亞馬遜客戶評論數據集將用於此實驗。 正如其文檔頁面 </a:t>
-            </a:r>
-            <a:r>
-              <a:rPr kumimoji="1" lang="en-US" altLang="zh-TW" dirty="0"/>
-              <a:t>[14] </a:t>
-            </a:r>
-            <a:r>
-              <a:rPr kumimoji="1" lang="zh-TW" altLang="en-US" dirty="0"/>
-              <a:t>中所介紹的，此公共數據集可用於學術研究，尤其是將數百萬客戶評論作為本研究中文本分析的非結構化文本數據的豐富來源。</a:t>
+              <a:t>亞馬遜客戶評論資料集將用於此實驗。此公共資料集可用於學術研究，尤其是將數百萬客戶評論作為本研究中文字分析的非結構化文本數據是非常豐富的來源。</a:t>
             </a:r>
           </a:p>
         </p:txBody>
@@ -1102,7 +1086,7 @@
           <a:p>
             <a:r>
               <a:rPr lang="zh-TW" altLang="en-US" dirty="0"/>
-              <a:t>數據採用多維星型模式設計，如圖 </a:t>
+              <a:t>資料採用多維星型模式設計，如圖 </a:t>
             </a:r>
             <a:r>
               <a:rPr lang="en-US" altLang="zh-TW" dirty="0"/>
@@ -1110,7 +1094,7 @@
             </a:r>
             <a:r>
               <a:rPr lang="zh-TW" altLang="en-US" dirty="0"/>
-              <a:t>所示，以支持多維分析報告。 事實數據是從文本分析提取器結果中檢索的，維度數據是從選定的 </a:t>
+              <a:t>所示，以支援多維分析報告。 事實數據是從文本分析提取器結果中檢索的，維度資料是從選定的 </a:t>
             </a:r>
             <a:r>
               <a:rPr lang="en-US" altLang="zh-TW" dirty="0"/>
@@ -1118,7 +1102,7 @@
             </a:r>
             <a:r>
               <a:rPr lang="zh-TW" altLang="en-US" dirty="0"/>
-              <a:t>數據集中提取的。</a:t>
+              <a:t>資料集中提取的。</a:t>
             </a:r>
           </a:p>
         </p:txBody>
@@ -1205,7 +1189,7 @@
           <a:p>
             <a:r>
               <a:rPr lang="zh-TW" altLang="en-US" dirty="0"/>
-              <a:t>評論日期與評論數據一起提取，然後在單獨的時間維度中建模，並在轉換步驟中生成額外的字段，以幫助從不同角度分析具有該時間維度的評論數據。</a:t>
+              <a:t>評論日期與評論資料一起提取，然後在單獨的時間維度中建模，並在轉換步驟中生成額外的字段，以幫助從不同角度分析具有該時間維度的評論資料。</a:t>
             </a:r>
           </a:p>
         </p:txBody>
@@ -1292,7 +1276,7 @@
           <a:p>
             <a:r>
               <a:rPr kumimoji="1" lang="zh-TW" altLang="en-US" dirty="0"/>
-              <a:t>通過使用驗收標準驗證每個階段的輸出，測試將與實施一起手動進行：</a:t>
+              <a:t>透過使用驗收標準驗證每個階段的輸出，測試將與實作一起手動進行：</a:t>
             </a:r>
             <a:endParaRPr kumimoji="1" lang="en-US" altLang="zh-TW" dirty="0"/>
           </a:p>
@@ -1302,7 +1286,7 @@
           <a:p>
             <a:r>
               <a:rPr kumimoji="1" lang="zh-TW" altLang="en-US" dirty="0"/>
-              <a:t>數據提取：樣本數據集文件將被文本分析工具馴服。</a:t>
+              <a:t>資料提取：樣本資料集文件將被文本分析工具馴服。</a:t>
             </a:r>
             <a:endParaRPr kumimoji="1" lang="en-US" altLang="zh-TW" dirty="0"/>
           </a:p>
@@ -1316,7 +1300,7 @@
             </a:r>
             <a:r>
               <a:rPr kumimoji="1" lang="zh-TW" altLang="en-US" dirty="0"/>
-              <a:t>過程：將提取的文本作為 </a:t>
+              <a:t>程序：將提取的文本作為 </a:t>
             </a:r>
             <a:r>
               <a:rPr kumimoji="1" lang="en-US" altLang="zh-TW" dirty="0"/>
@@ -1324,7 +1308,7 @@
             </a:r>
             <a:r>
               <a:rPr kumimoji="1" lang="zh-TW" altLang="en-US" dirty="0"/>
-              <a:t>文件進行轉換、清洗並加載到數據倉庫中。</a:t>
+              <a:t>文件進行轉換、清洗並加載到資料倉庫中。</a:t>
             </a:r>
             <a:endParaRPr kumimoji="1" lang="en-US" altLang="zh-TW" dirty="0"/>
           </a:p>
@@ -1334,7 +1318,7 @@
           <a:p>
             <a:r>
               <a:rPr kumimoji="1" lang="zh-TW" altLang="en-US" dirty="0"/>
-              <a:t>分析報告：可以從數據倉庫創建 </a:t>
+              <a:t>分析報告：可以從資料倉庫創建 </a:t>
             </a:r>
             <a:r>
               <a:rPr kumimoji="1" lang="en-US" altLang="zh-TW" dirty="0"/>
@@ -1342,7 +1326,7 @@
             </a:r>
             <a:r>
               <a:rPr kumimoji="1" lang="zh-TW" altLang="en-US" dirty="0"/>
-              <a:t>多維數據集</a:t>
+              <a:t>多維資料集</a:t>
             </a:r>
           </a:p>
         </p:txBody>
@@ -1427,50 +1411,7 @@
           <a:bodyPr/>
           <a:lstStyle/>
           <a:p>
-            <a:r>
-              <a:rPr kumimoji="1" lang="zh-TW" altLang="en-US" dirty="0"/>
-              <a:t>數據提取：樣本數據集文件將被文本分析工具馴服。</a:t>
-            </a:r>
-            <a:endParaRPr kumimoji="1" lang="en-US" altLang="zh-TW" dirty="0"/>
-          </a:p>
-          <a:p>
-            <a:endParaRPr kumimoji="1" lang="en-US" altLang="zh-TW" dirty="0"/>
-          </a:p>
-          <a:p>
-            <a:r>
-              <a:rPr kumimoji="1" lang="en-US" altLang="zh-TW" dirty="0"/>
-              <a:t>ETL </a:t>
-            </a:r>
-            <a:r>
-              <a:rPr kumimoji="1" lang="zh-TW" altLang="en-US" dirty="0"/>
-              <a:t>過程：將提取的文本作為 </a:t>
-            </a:r>
-            <a:r>
-              <a:rPr kumimoji="1" lang="en-US" altLang="zh-TW" dirty="0"/>
-              <a:t>CSV </a:t>
-            </a:r>
-            <a:r>
-              <a:rPr kumimoji="1" lang="zh-TW" altLang="en-US" dirty="0"/>
-              <a:t>文件進行轉換、清洗並加載到數據倉庫中。</a:t>
-            </a:r>
-            <a:endParaRPr kumimoji="1" lang="en-US" altLang="zh-TW" dirty="0"/>
-          </a:p>
-          <a:p>
-            <a:endParaRPr kumimoji="1" lang="en-US" altLang="zh-TW" dirty="0"/>
-          </a:p>
-          <a:p>
-            <a:r>
-              <a:rPr kumimoji="1" lang="zh-TW" altLang="en-US" dirty="0"/>
-              <a:t>分析報告：可以從數據倉庫創建 </a:t>
-            </a:r>
-            <a:r>
-              <a:rPr kumimoji="1" lang="en-US" altLang="zh-TW" dirty="0"/>
-              <a:t>OLAP </a:t>
-            </a:r>
-            <a:r>
-              <a:rPr kumimoji="1" lang="zh-TW" altLang="en-US" dirty="0"/>
-              <a:t>多維數據集</a:t>
-            </a:r>
+            <a:endParaRPr kumimoji="1" lang="zh-TW" altLang="en-US" dirty="0"/>
           </a:p>
         </p:txBody>
       </p:sp>
@@ -1823,7 +1764,7 @@
           <a:p>
             <a:r>
               <a:rPr kumimoji="1" lang="zh-TW" altLang="en-US" dirty="0"/>
-              <a:t>本研究的目的是提出一種使用大數據工具構建非結構化數據倉庫的解決方案，並演示傳統數據倉庫可以透過中間階段支援非結構化數據，且在非結構化數據加載到數據倉庫之前將其轉換為結構化數據。</a:t>
+              <a:t>本研究的目的是提出一種使用大數據工具建構非結構化數據倉庫的解決方案，並演示傳統數據倉庫可以透過中間階段支援非結構化數據，且在非結構化數據加載到數據倉庫之前將其轉換為結構化數據。</a:t>
             </a:r>
           </a:p>
           <a:p>
@@ -1832,7 +1773,7 @@
           <a:p>
             <a:r>
               <a:rPr kumimoji="1" lang="zh-TW" altLang="en-US" dirty="0"/>
-              <a:t>在這種方法的幫助下，企業組織仍然可以使用他們當前的數據倉庫和一個額外的組件來支持非結構化數據。</a:t>
+              <a:t>在這種方法的幫助下，企業組織仍然可以使用他們當前的數據倉庫和一個額外的組件來支持非結構化資料。</a:t>
             </a:r>
           </a:p>
         </p:txBody>
@@ -1949,7 +1890,7 @@
             </a:r>
             <a:r>
               <a:rPr kumimoji="1" lang="zh-TW" altLang="en-US" dirty="0"/>
-              <a:t>：文本挖掘、信息檢索、信息抽取</a:t>
+              <a:t>：文本探勘、資訊檢索、資訊提取</a:t>
             </a:r>
           </a:p>
           <a:p>
@@ -1959,7 +1900,7 @@
             </a:r>
             <a:r>
               <a:rPr kumimoji="1" lang="zh-TW" altLang="en-US" dirty="0"/>
-              <a:t>：文本挖掘和自然語言處理（</a:t>
+              <a:t>：文本探勘和自然語言處理（</a:t>
             </a:r>
             <a:r>
               <a:rPr kumimoji="1" lang="en-US" altLang="zh-TW" dirty="0"/>
@@ -1967,7 +1908,7 @@
             </a:r>
             <a:r>
               <a:rPr kumimoji="1" lang="zh-TW" altLang="en-US" dirty="0"/>
-              <a:t>）是從文本上下文中發現知識的兩種技術</a:t>
+              <a:t>）是從文字上下文中發現觀念的兩種技術</a:t>
             </a:r>
           </a:p>
           <a:p>
@@ -1993,7 +1934,7 @@
             </a:r>
             <a:r>
               <a:rPr kumimoji="1" lang="zh-TW" altLang="en-US" dirty="0"/>
-              <a:t>檢查了各種文本分析技術來處理文本文檔。</a:t>
+              <a:t>檢查了各種文字分析技術來處理文字文檔。</a:t>
             </a:r>
           </a:p>
         </p:txBody>
@@ -2156,7 +2097,7 @@
             </a:r>
             <a:r>
               <a:rPr kumimoji="1" lang="zh-TW" altLang="en-US" dirty="0"/>
-              <a:t>提出使用大型英語詞彙數據庫 </a:t>
+              <a:t>提出使用大型英語詞彙資料庫 </a:t>
             </a:r>
             <a:r>
               <a:rPr kumimoji="1" lang="en-US" altLang="zh-TW" dirty="0"/>
@@ -2359,7 +2300,7 @@
             </a:r>
             <a:r>
               <a:rPr kumimoji="1" lang="zh-TW" altLang="en-US" dirty="0"/>
-              <a:t>提出了一種為存儲在 </a:t>
+              <a:t>提出了一種為儲存在 </a:t>
             </a:r>
             <a:r>
               <a:rPr kumimoji="1" lang="en-US" altLang="zh-TW" dirty="0"/>
@@ -2367,7 +2308,7 @@
             </a:r>
             <a:r>
               <a:rPr kumimoji="1" lang="zh-TW" altLang="en-US" dirty="0"/>
-              <a:t>數據庫中的非結構化數據構建數據倉庫的方法，通過支持 </a:t>
+              <a:t>資料庫中的非結構化數據建構資料倉庫的方法，透過支援 </a:t>
             </a:r>
             <a:r>
               <a:rPr kumimoji="1" lang="en-US" altLang="zh-TW" dirty="0"/>
@@ -2383,7 +2324,7 @@
             </a:r>
             <a:r>
               <a:rPr kumimoji="1" lang="zh-TW" altLang="en-US" dirty="0"/>
-              <a:t>數據庫中提取、轉換和加載非結構化數據到傳統數據倉庫。</a:t>
+              <a:t>資料庫中提取、轉換和加載非結構化數據到傳統資料倉庫。</a:t>
             </a:r>
           </a:p>
         </p:txBody>
@@ -2470,7 +2411,7 @@
           <a:p>
             <a:r>
               <a:rPr kumimoji="1" lang="zh-TW" altLang="en-US" dirty="0"/>
-              <a:t>提出的非結構化數據倉庫遵循三層架構。 在此設計中，</a:t>
+              <a:t>本文提出的非結構化數據倉庫遵循三層架構。 在此設計中，</a:t>
             </a:r>
             <a:r>
               <a:rPr kumimoji="1" lang="en-US" altLang="zh-TW" dirty="0"/>
@@ -2486,7 +2427,7 @@
             </a:r>
             <a:r>
               <a:rPr kumimoji="1" lang="zh-TW" altLang="en-US" dirty="0"/>
-              <a:t>文本分析平台不是替代而是擴充了組織現有的傳統數據倉庫，使它們能夠從非結構化文本源接收數據。</a:t>
+              <a:t>文字分析平台不是替代而是擴充了組織現有的傳統數據倉庫，使它們能夠從非結構化文字來源接收資料。</a:t>
             </a:r>
             <a:endParaRPr kumimoji="1" lang="en-US" altLang="zh-TW" dirty="0"/>
           </a:p>
@@ -2496,23 +2437,7 @@
           <a:p>
             <a:r>
               <a:rPr kumimoji="1" lang="zh-TW" altLang="en-US" dirty="0"/>
-              <a:t>如圖 </a:t>
-            </a:r>
-            <a:r>
-              <a:rPr kumimoji="1" lang="en-US" altLang="zh-TW" dirty="0"/>
-              <a:t>1. Architecture Design </a:t>
-            </a:r>
-            <a:r>
-              <a:rPr kumimoji="1" lang="zh-TW" altLang="en-US" dirty="0"/>
-              <a:t>所示，非結構化文本數據將首先由文本分析平台處理，然後其結構化結果與其他結構化數據源結合，由 </a:t>
-            </a:r>
-            <a:r>
-              <a:rPr kumimoji="1" lang="en-US" altLang="zh-TW" dirty="0"/>
-              <a:t>Pentaho Data Integration </a:t>
-            </a:r>
-            <a:r>
-              <a:rPr kumimoji="1" lang="zh-TW" altLang="en-US" dirty="0"/>
-              <a:t>工具加載到底層的數據倉庫服務器中 </a:t>
+              <a:t>非結構化文字資料將首先由文本分析平台處理，然後將其結構化結果與其他結構化資料來源結合，透過 </a:t>
             </a:r>
             <a:r>
               <a:rPr kumimoji="1" lang="en-US" altLang="zh-TW" dirty="0"/>
@@ -2520,7 +2445,15 @@
             </a:r>
             <a:r>
               <a:rPr kumimoji="1" lang="zh-TW" altLang="en-US" dirty="0"/>
-              <a:t>過程。 </a:t>
+              <a:t>過程中的 </a:t>
+            </a:r>
+            <a:r>
+              <a:rPr kumimoji="1" lang="en-US" altLang="zh-TW" dirty="0"/>
+              <a:t>Pentaho </a:t>
+            </a:r>
+            <a:r>
+              <a:rPr kumimoji="1" lang="zh-TW" altLang="en-US" dirty="0"/>
+              <a:t>資料整合工具加載到底層的數據倉庫服務器。 </a:t>
             </a:r>
             <a:r>
               <a:rPr kumimoji="1" lang="en-US" altLang="zh-TW" dirty="0"/>
@@ -2528,7 +2461,7 @@
             </a:r>
             <a:r>
               <a:rPr kumimoji="1" lang="zh-TW" altLang="en-US" dirty="0"/>
-              <a:t>任務將幫助轉換輸入的結構化文本以匹配多維數據設計。</a:t>
+              <a:t>任務將幫助轉換輸入的結構化文字以匹配多維資料設計。</a:t>
             </a:r>
             <a:endParaRPr kumimoji="1" lang="en-US" altLang="zh-TW" dirty="0"/>
           </a:p>
@@ -2632,7 +2565,7 @@
             </a:r>
             <a:r>
               <a:rPr kumimoji="1" lang="zh-TW" altLang="en-US" dirty="0"/>
-              <a:t>）服務器，支持數據倉庫的報表和查詢。 頂層是前端層，</a:t>
+              <a:t>）服務器，支持資料倉庫的報表和查詢。 頂層是前端層，</a:t>
             </a:r>
             <a:r>
               <a:rPr kumimoji="1" lang="en-US" altLang="zh-TW" dirty="0"/>
@@ -2648,7 +2581,7 @@
             </a:r>
             <a:r>
               <a:rPr kumimoji="1" lang="zh-TW" altLang="en-US" dirty="0"/>
-              <a:t>服務器或數據倉庫服務器集成，以幫助用戶製作各種分析報告。</a:t>
+              <a:t>伺服器或資料倉庫服務器整合，以幫助用戶製作各種分析報告。</a:t>
             </a:r>
             <a:endParaRPr kumimoji="1" lang="en-US" altLang="zh-TW" dirty="0"/>
           </a:p>
@@ -7478,7 +7411,7 @@
                 <a:latin typeface="Times New Roman" panose="02020603050405020304" pitchFamily="18" charset="0"/>
                 <a:cs typeface="Times New Roman" panose="02020603050405020304" pitchFamily="18" charset="0"/>
               </a:rPr>
-              <a:t>unstructured textual data will be handled first by the Text Analytics platform before its structured results are combined with other structured data sources to be loaded into data warehouse servers in the bottom tier by Pentaho Data Integration tool in ETL process. ETL tasks will help transform the input structured text to match with the multidimensional data design.</a:t>
+              <a:t>Unstructured textual data will be handled first by the Text Analytics platform before its structured results are combined with other structured data sources to be loaded into data warehouse servers in the bottom tier by Pentaho Data Integration tool in ETL process. ETL tasks will help transform the input structured text to match with the multidimensional data design.</a:t>
             </a:r>
           </a:p>
           <a:p>
